--- a/companies/Bosch/presentation/Presentation.pptx
+++ b/companies/Bosch/presentation/Presentation.pptx
@@ -4,6 +4,9 @@
   <p:sldMasterIdLst>
     <p:sldMasterId id="2147483648" r:id="rId1"/>
   </p:sldMasterIdLst>
+  <p:notesMasterIdLst>
+    <p:notesMasterId r:id="rId10"/>
+  </p:notesMasterIdLst>
   <p:sldIdLst>
     <p:sldId id="256" r:id="rId2"/>
     <p:sldId id="257" r:id="rId3"/>
@@ -111,7 +114,446 @@
       </a:defRPr>
     </a:lvl9pPr>
   </p:defaultTextStyle>
+  <p:extLst>
+    <p:ext uri="{EFAFB233-063F-42B5-8137-9DF3F51BA10A}">
+      <p15:sldGuideLst xmlns:p15="http://schemas.microsoft.com/office/powerpoint/2012/main"/>
+    </p:ext>
+  </p:extLst>
 </p:presentation>
+</file>
+
+<file path=ppt/notesMasters/notesMaster1.xml><?xml version="1.0" encoding="utf-8"?>
+<p:notesMaster xmlns:a="http://schemas.openxmlformats.org/drawingml/2006/main" xmlns:r="http://schemas.openxmlformats.org/officeDocument/2006/relationships" xmlns:p="http://schemas.openxmlformats.org/presentationml/2006/main">
+  <p:cSld>
+    <p:bg>
+      <p:bgRef idx="1001">
+        <a:schemeClr val="bg1"/>
+      </p:bgRef>
+    </p:bg>
+    <p:spTree>
+      <p:nvGrpSpPr>
+        <p:cNvPr id="1" name=""/>
+        <p:cNvGrpSpPr/>
+        <p:nvPr/>
+      </p:nvGrpSpPr>
+      <p:grpSpPr>
+        <a:xfrm>
+          <a:off x="0" y="0"/>
+          <a:ext cx="0" cy="0"/>
+          <a:chOff x="0" y="0"/>
+          <a:chExt cx="0" cy="0"/>
+        </a:xfrm>
+      </p:grpSpPr>
+      <p:sp>
+        <p:nvSpPr>
+          <p:cNvPr id="2" name="Header Placeholder 1"/>
+          <p:cNvSpPr>
+            <a:spLocks noGrp="1"/>
+          </p:cNvSpPr>
+          <p:nvPr>
+            <p:ph type="hdr" sz="quarter"/>
+          </p:nvPr>
+        </p:nvSpPr>
+        <p:spPr>
+          <a:xfrm>
+            <a:off x="0" y="0"/>
+            <a:ext cx="2971800" cy="458788"/>
+          </a:xfrm>
+          <a:prstGeom prst="rect">
+            <a:avLst/>
+          </a:prstGeom>
+        </p:spPr>
+        <p:txBody>
+          <a:bodyPr vert="horz" lIns="91440" tIns="45720" rIns="91440" bIns="45720" rtlCol="0"/>
+          <a:lstStyle>
+            <a:lvl1pPr algn="l">
+              <a:defRPr sz="1200"/>
+            </a:lvl1pPr>
+          </a:lstStyle>
+          <a:p>
+            <a:endParaRPr lang="en-GB"/>
+          </a:p>
+        </p:txBody>
+      </p:sp>
+      <p:sp>
+        <p:nvSpPr>
+          <p:cNvPr id="3" name="Date Placeholder 2"/>
+          <p:cNvSpPr>
+            <a:spLocks noGrp="1"/>
+          </p:cNvSpPr>
+          <p:nvPr>
+            <p:ph type="dt" idx="1"/>
+          </p:nvPr>
+        </p:nvSpPr>
+        <p:spPr>
+          <a:xfrm>
+            <a:off x="3884613" y="0"/>
+            <a:ext cx="2971800" cy="458788"/>
+          </a:xfrm>
+          <a:prstGeom prst="rect">
+            <a:avLst/>
+          </a:prstGeom>
+        </p:spPr>
+        <p:txBody>
+          <a:bodyPr vert="horz" lIns="91440" tIns="45720" rIns="91440" bIns="45720" rtlCol="0"/>
+          <a:lstStyle>
+            <a:lvl1pPr algn="r">
+              <a:defRPr sz="1200"/>
+            </a:lvl1pPr>
+          </a:lstStyle>
+          <a:p>
+            <a:fld id="{BFE6F66D-FDA9-431D-8FC6-071027240D66}" type="datetimeFigureOut">
+              <a:rPr lang="en-GB" smtClean="0"/>
+              <a:t>21/11/2016</a:t>
+            </a:fld>
+            <a:endParaRPr lang="en-GB"/>
+          </a:p>
+        </p:txBody>
+      </p:sp>
+      <p:sp>
+        <p:nvSpPr>
+          <p:cNvPr id="4" name="Slide Image Placeholder 3"/>
+          <p:cNvSpPr>
+            <a:spLocks noGrp="1" noRot="1" noChangeAspect="1"/>
+          </p:cNvSpPr>
+          <p:nvPr>
+            <p:ph type="sldImg" idx="2"/>
+          </p:nvPr>
+        </p:nvSpPr>
+        <p:spPr>
+          <a:xfrm>
+            <a:off x="685800" y="1143000"/>
+            <a:ext cx="5486400" cy="3086100"/>
+          </a:xfrm>
+          <a:prstGeom prst="rect">
+            <a:avLst/>
+          </a:prstGeom>
+          <a:noFill/>
+          <a:ln w="12700">
+            <a:solidFill>
+              <a:prstClr val="black"/>
+            </a:solidFill>
+          </a:ln>
+        </p:spPr>
+        <p:txBody>
+          <a:bodyPr vert="horz" lIns="91440" tIns="45720" rIns="91440" bIns="45720" rtlCol="0" anchor="ctr"/>
+          <a:lstStyle/>
+          <a:p>
+            <a:endParaRPr lang="en-GB"/>
+          </a:p>
+        </p:txBody>
+      </p:sp>
+      <p:sp>
+        <p:nvSpPr>
+          <p:cNvPr id="5" name="Notes Placeholder 4"/>
+          <p:cNvSpPr>
+            <a:spLocks noGrp="1"/>
+          </p:cNvSpPr>
+          <p:nvPr>
+            <p:ph type="body" sz="quarter" idx="3"/>
+          </p:nvPr>
+        </p:nvSpPr>
+        <p:spPr>
+          <a:xfrm>
+            <a:off x="685800" y="4400550"/>
+            <a:ext cx="5486400" cy="3600450"/>
+          </a:xfrm>
+          <a:prstGeom prst="rect">
+            <a:avLst/>
+          </a:prstGeom>
+        </p:spPr>
+        <p:txBody>
+          <a:bodyPr vert="horz" lIns="91440" tIns="45720" rIns="91440" bIns="45720" rtlCol="0"/>
+          <a:lstStyle/>
+          <a:p>
+            <a:pPr lvl="0"/>
+            <a:r>
+              <a:rPr lang="en-US"/>
+              <a:t>Edit Master text styles</a:t>
+            </a:r>
+          </a:p>
+          <a:p>
+            <a:pPr lvl="1"/>
+            <a:r>
+              <a:rPr lang="en-US"/>
+              <a:t>Second level</a:t>
+            </a:r>
+          </a:p>
+          <a:p>
+            <a:pPr lvl="2"/>
+            <a:r>
+              <a:rPr lang="en-US"/>
+              <a:t>Third level</a:t>
+            </a:r>
+          </a:p>
+          <a:p>
+            <a:pPr lvl="3"/>
+            <a:r>
+              <a:rPr lang="en-US"/>
+              <a:t>Fourth level</a:t>
+            </a:r>
+          </a:p>
+          <a:p>
+            <a:pPr lvl="4"/>
+            <a:r>
+              <a:rPr lang="en-US"/>
+              <a:t>Fifth level</a:t>
+            </a:r>
+            <a:endParaRPr lang="en-GB"/>
+          </a:p>
+        </p:txBody>
+      </p:sp>
+      <p:sp>
+        <p:nvSpPr>
+          <p:cNvPr id="6" name="Footer Placeholder 5"/>
+          <p:cNvSpPr>
+            <a:spLocks noGrp="1"/>
+          </p:cNvSpPr>
+          <p:nvPr>
+            <p:ph type="ftr" sz="quarter" idx="4"/>
+          </p:nvPr>
+        </p:nvSpPr>
+        <p:spPr>
+          <a:xfrm>
+            <a:off x="0" y="8685213"/>
+            <a:ext cx="2971800" cy="458787"/>
+          </a:xfrm>
+          <a:prstGeom prst="rect">
+            <a:avLst/>
+          </a:prstGeom>
+        </p:spPr>
+        <p:txBody>
+          <a:bodyPr vert="horz" lIns="91440" tIns="45720" rIns="91440" bIns="45720" rtlCol="0" anchor="b"/>
+          <a:lstStyle>
+            <a:lvl1pPr algn="l">
+              <a:defRPr sz="1200"/>
+            </a:lvl1pPr>
+          </a:lstStyle>
+          <a:p>
+            <a:endParaRPr lang="en-GB"/>
+          </a:p>
+        </p:txBody>
+      </p:sp>
+      <p:sp>
+        <p:nvSpPr>
+          <p:cNvPr id="7" name="Slide Number Placeholder 6"/>
+          <p:cNvSpPr>
+            <a:spLocks noGrp="1"/>
+          </p:cNvSpPr>
+          <p:nvPr>
+            <p:ph type="sldNum" sz="quarter" idx="5"/>
+          </p:nvPr>
+        </p:nvSpPr>
+        <p:spPr>
+          <a:xfrm>
+            <a:off x="3884613" y="8685213"/>
+            <a:ext cx="2971800" cy="458787"/>
+          </a:xfrm>
+          <a:prstGeom prst="rect">
+            <a:avLst/>
+          </a:prstGeom>
+        </p:spPr>
+        <p:txBody>
+          <a:bodyPr vert="horz" lIns="91440" tIns="45720" rIns="91440" bIns="45720" rtlCol="0" anchor="b"/>
+          <a:lstStyle>
+            <a:lvl1pPr algn="r">
+              <a:defRPr sz="1200"/>
+            </a:lvl1pPr>
+          </a:lstStyle>
+          <a:p>
+            <a:fld id="{CF3F716E-B8BF-4B99-8587-2EAB2DC2E1C5}" type="slidenum">
+              <a:rPr lang="en-GB" smtClean="0"/>
+              <a:t>‹#›</a:t>
+            </a:fld>
+            <a:endParaRPr lang="en-GB"/>
+          </a:p>
+        </p:txBody>
+      </p:sp>
+    </p:spTree>
+    <p:extLst>
+      <p:ext uri="{BB962C8B-B14F-4D97-AF65-F5344CB8AC3E}">
+        <p14:creationId xmlns:p14="http://schemas.microsoft.com/office/powerpoint/2010/main" val="2047976737"/>
+      </p:ext>
+    </p:extLst>
+  </p:cSld>
+  <p:clrMap bg1="lt1" tx1="dk1" bg2="lt2" tx2="dk2" accent1="accent1" accent2="accent2" accent3="accent3" accent4="accent4" accent5="accent5" accent6="accent6" hlink="hlink" folHlink="folHlink"/>
+  <p:notesStyle>
+    <a:lvl1pPr marL="0" algn="l" defTabSz="914400" rtl="0" eaLnBrk="1" latinLnBrk="0" hangingPunct="1">
+      <a:defRPr sz="1200" kern="1200">
+        <a:solidFill>
+          <a:schemeClr val="tx1"/>
+        </a:solidFill>
+        <a:latin typeface="+mn-lt"/>
+        <a:ea typeface="+mn-ea"/>
+        <a:cs typeface="+mn-cs"/>
+      </a:defRPr>
+    </a:lvl1pPr>
+    <a:lvl2pPr marL="457200" algn="l" defTabSz="914400" rtl="0" eaLnBrk="1" latinLnBrk="0" hangingPunct="1">
+      <a:defRPr sz="1200" kern="1200">
+        <a:solidFill>
+          <a:schemeClr val="tx1"/>
+        </a:solidFill>
+        <a:latin typeface="+mn-lt"/>
+        <a:ea typeface="+mn-ea"/>
+        <a:cs typeface="+mn-cs"/>
+      </a:defRPr>
+    </a:lvl2pPr>
+    <a:lvl3pPr marL="914400" algn="l" defTabSz="914400" rtl="0" eaLnBrk="1" latinLnBrk="0" hangingPunct="1">
+      <a:defRPr sz="1200" kern="1200">
+        <a:solidFill>
+          <a:schemeClr val="tx1"/>
+        </a:solidFill>
+        <a:latin typeface="+mn-lt"/>
+        <a:ea typeface="+mn-ea"/>
+        <a:cs typeface="+mn-cs"/>
+      </a:defRPr>
+    </a:lvl3pPr>
+    <a:lvl4pPr marL="1371600" algn="l" defTabSz="914400" rtl="0" eaLnBrk="1" latinLnBrk="0" hangingPunct="1">
+      <a:defRPr sz="1200" kern="1200">
+        <a:solidFill>
+          <a:schemeClr val="tx1"/>
+        </a:solidFill>
+        <a:latin typeface="+mn-lt"/>
+        <a:ea typeface="+mn-ea"/>
+        <a:cs typeface="+mn-cs"/>
+      </a:defRPr>
+    </a:lvl4pPr>
+    <a:lvl5pPr marL="1828800" algn="l" defTabSz="914400" rtl="0" eaLnBrk="1" latinLnBrk="0" hangingPunct="1">
+      <a:defRPr sz="1200" kern="1200">
+        <a:solidFill>
+          <a:schemeClr val="tx1"/>
+        </a:solidFill>
+        <a:latin typeface="+mn-lt"/>
+        <a:ea typeface="+mn-ea"/>
+        <a:cs typeface="+mn-cs"/>
+      </a:defRPr>
+    </a:lvl5pPr>
+    <a:lvl6pPr marL="2286000" algn="l" defTabSz="914400" rtl="0" eaLnBrk="1" latinLnBrk="0" hangingPunct="1">
+      <a:defRPr sz="1200" kern="1200">
+        <a:solidFill>
+          <a:schemeClr val="tx1"/>
+        </a:solidFill>
+        <a:latin typeface="+mn-lt"/>
+        <a:ea typeface="+mn-ea"/>
+        <a:cs typeface="+mn-cs"/>
+      </a:defRPr>
+    </a:lvl6pPr>
+    <a:lvl7pPr marL="2743200" algn="l" defTabSz="914400" rtl="0" eaLnBrk="1" latinLnBrk="0" hangingPunct="1">
+      <a:defRPr sz="1200" kern="1200">
+        <a:solidFill>
+          <a:schemeClr val="tx1"/>
+        </a:solidFill>
+        <a:latin typeface="+mn-lt"/>
+        <a:ea typeface="+mn-ea"/>
+        <a:cs typeface="+mn-cs"/>
+      </a:defRPr>
+    </a:lvl7pPr>
+    <a:lvl8pPr marL="3200400" algn="l" defTabSz="914400" rtl="0" eaLnBrk="1" latinLnBrk="0" hangingPunct="1">
+      <a:defRPr sz="1200" kern="1200">
+        <a:solidFill>
+          <a:schemeClr val="tx1"/>
+        </a:solidFill>
+        <a:latin typeface="+mn-lt"/>
+        <a:ea typeface="+mn-ea"/>
+        <a:cs typeface="+mn-cs"/>
+      </a:defRPr>
+    </a:lvl8pPr>
+    <a:lvl9pPr marL="3657600" algn="l" defTabSz="914400" rtl="0" eaLnBrk="1" latinLnBrk="0" hangingPunct="1">
+      <a:defRPr sz="1200" kern="1200">
+        <a:solidFill>
+          <a:schemeClr val="tx1"/>
+        </a:solidFill>
+        <a:latin typeface="+mn-lt"/>
+        <a:ea typeface="+mn-ea"/>
+        <a:cs typeface="+mn-cs"/>
+      </a:defRPr>
+    </a:lvl9pPr>
+  </p:notesStyle>
+</p:notesMaster>
+</file>
+
+<file path=ppt/notesSlides/notesSlide1.xml><?xml version="1.0" encoding="utf-8"?>
+<p:notes xmlns:a="http://schemas.openxmlformats.org/drawingml/2006/main" xmlns:r="http://schemas.openxmlformats.org/officeDocument/2006/relationships" xmlns:p="http://schemas.openxmlformats.org/presentationml/2006/main">
+  <p:cSld>
+    <p:spTree>
+      <p:nvGrpSpPr>
+        <p:cNvPr id="1" name=""/>
+        <p:cNvGrpSpPr/>
+        <p:nvPr/>
+      </p:nvGrpSpPr>
+      <p:grpSpPr>
+        <a:xfrm>
+          <a:off x="0" y="0"/>
+          <a:ext cx="0" cy="0"/>
+          <a:chOff x="0" y="0"/>
+          <a:chExt cx="0" cy="0"/>
+        </a:xfrm>
+      </p:grpSpPr>
+      <p:sp>
+        <p:nvSpPr>
+          <p:cNvPr id="2" name="Slide Image Placeholder 1"/>
+          <p:cNvSpPr>
+            <a:spLocks noGrp="1" noRot="1" noChangeAspect="1"/>
+          </p:cNvSpPr>
+          <p:nvPr>
+            <p:ph type="sldImg"/>
+          </p:nvPr>
+        </p:nvSpPr>
+        <p:spPr/>
+      </p:sp>
+      <p:sp>
+        <p:nvSpPr>
+          <p:cNvPr id="3" name="Notes Placeholder 2"/>
+          <p:cNvSpPr>
+            <a:spLocks noGrp="1"/>
+          </p:cNvSpPr>
+          <p:nvPr>
+            <p:ph type="body" idx="1"/>
+          </p:nvPr>
+        </p:nvSpPr>
+        <p:spPr/>
+        <p:txBody>
+          <a:bodyPr/>
+          <a:lstStyle/>
+          <a:p>
+            <a:endParaRPr lang="en-GB" dirty="0"/>
+          </a:p>
+        </p:txBody>
+      </p:sp>
+      <p:sp>
+        <p:nvSpPr>
+          <p:cNvPr id="4" name="Slide Number Placeholder 3"/>
+          <p:cNvSpPr>
+            <a:spLocks noGrp="1"/>
+          </p:cNvSpPr>
+          <p:nvPr>
+            <p:ph type="sldNum" sz="quarter" idx="10"/>
+          </p:nvPr>
+        </p:nvSpPr>
+        <p:spPr/>
+        <p:txBody>
+          <a:bodyPr/>
+          <a:lstStyle/>
+          <a:p>
+            <a:fld id="{CF3F716E-B8BF-4B99-8587-2EAB2DC2E1C5}" type="slidenum">
+              <a:rPr lang="en-GB" smtClean="0"/>
+              <a:t>3</a:t>
+            </a:fld>
+            <a:endParaRPr lang="en-GB"/>
+          </a:p>
+        </p:txBody>
+      </p:sp>
+    </p:spTree>
+    <p:extLst>
+      <p:ext uri="{BB962C8B-B14F-4D97-AF65-F5344CB8AC3E}">
+        <p14:creationId xmlns:p14="http://schemas.microsoft.com/office/powerpoint/2010/main" val="2845588680"/>
+      </p:ext>
+    </p:extLst>
+  </p:cSld>
+  <p:clrMapOvr>
+    <a:masterClrMapping/>
+  </p:clrMapOvr>
+</p:notes>
 </file>
 
 <file path=ppt/slideLayouts/slideLayout1.xml><?xml version="1.0" encoding="utf-8"?>
@@ -245,7 +687,7 @@
           <a:p>
             <a:fld id="{9AC011D0-E7EE-420D-93AB-B1EF18D34070}" type="datetimeFigureOut">
               <a:rPr lang="en-GB" smtClean="0"/>
-              <a:t>20/11/2016</a:t>
+              <a:t>21/11/2016</a:t>
             </a:fld>
             <a:endParaRPr lang="en-GB"/>
           </a:p>
@@ -415,7 +857,7 @@
           <a:p>
             <a:fld id="{9AC011D0-E7EE-420D-93AB-B1EF18D34070}" type="datetimeFigureOut">
               <a:rPr lang="en-GB" smtClean="0"/>
-              <a:t>20/11/2016</a:t>
+              <a:t>21/11/2016</a:t>
             </a:fld>
             <a:endParaRPr lang="en-GB"/>
           </a:p>
@@ -595,7 +1037,7 @@
           <a:p>
             <a:fld id="{9AC011D0-E7EE-420D-93AB-B1EF18D34070}" type="datetimeFigureOut">
               <a:rPr lang="en-GB" smtClean="0"/>
-              <a:t>20/11/2016</a:t>
+              <a:t>21/11/2016</a:t>
             </a:fld>
             <a:endParaRPr lang="en-GB"/>
           </a:p>
@@ -765,7 +1207,7 @@
           <a:p>
             <a:fld id="{9AC011D0-E7EE-420D-93AB-B1EF18D34070}" type="datetimeFigureOut">
               <a:rPr lang="en-GB" smtClean="0"/>
-              <a:t>20/11/2016</a:t>
+              <a:t>21/11/2016</a:t>
             </a:fld>
             <a:endParaRPr lang="en-GB"/>
           </a:p>
@@ -835,7 +1277,7 @@
         </p:blipFill>
         <p:spPr>
           <a:xfrm>
-            <a:off x="8843356" y="5672387"/>
+            <a:off x="9541625" y="5762080"/>
             <a:ext cx="2510444" cy="594269"/>
           </a:xfrm>
           <a:prstGeom prst="rect">
@@ -1391,7 +1833,7 @@
           <a:p>
             <a:fld id="{9AC011D0-E7EE-420D-93AB-B1EF18D34070}" type="datetimeFigureOut">
               <a:rPr lang="en-GB" smtClean="0"/>
-              <a:t>20/11/2016</a:t>
+              <a:t>21/11/2016</a:t>
             </a:fld>
             <a:endParaRPr lang="en-GB"/>
           </a:p>
@@ -1623,7 +2065,7 @@
           <a:p>
             <a:fld id="{9AC011D0-E7EE-420D-93AB-B1EF18D34070}" type="datetimeFigureOut">
               <a:rPr lang="en-GB" smtClean="0"/>
-              <a:t>20/11/2016</a:t>
+              <a:t>21/11/2016</a:t>
             </a:fld>
             <a:endParaRPr lang="en-GB"/>
           </a:p>
@@ -1990,7 +2432,7 @@
           <a:p>
             <a:fld id="{9AC011D0-E7EE-420D-93AB-B1EF18D34070}" type="datetimeFigureOut">
               <a:rPr lang="en-GB" smtClean="0"/>
-              <a:t>20/11/2016</a:t>
+              <a:t>21/11/2016</a:t>
             </a:fld>
             <a:endParaRPr lang="en-GB"/>
           </a:p>
@@ -2108,7 +2550,7 @@
           <a:p>
             <a:fld id="{9AC011D0-E7EE-420D-93AB-B1EF18D34070}" type="datetimeFigureOut">
               <a:rPr lang="en-GB" smtClean="0"/>
-              <a:t>20/11/2016</a:t>
+              <a:t>21/11/2016</a:t>
             </a:fld>
             <a:endParaRPr lang="en-GB"/>
           </a:p>
@@ -2203,7 +2645,7 @@
           <a:p>
             <a:fld id="{9AC011D0-E7EE-420D-93AB-B1EF18D34070}" type="datetimeFigureOut">
               <a:rPr lang="en-GB" smtClean="0"/>
-              <a:t>20/11/2016</a:t>
+              <a:t>21/11/2016</a:t>
             </a:fld>
             <a:endParaRPr lang="en-GB"/>
           </a:p>
@@ -2480,7 +2922,7 @@
           <a:p>
             <a:fld id="{9AC011D0-E7EE-420D-93AB-B1EF18D34070}" type="datetimeFigureOut">
               <a:rPr lang="en-GB" smtClean="0"/>
-              <a:t>20/11/2016</a:t>
+              <a:t>21/11/2016</a:t>
             </a:fld>
             <a:endParaRPr lang="en-GB"/>
           </a:p>
@@ -2733,7 +3175,7 @@
           <a:p>
             <a:fld id="{9AC011D0-E7EE-420D-93AB-B1EF18D34070}" type="datetimeFigureOut">
               <a:rPr lang="en-GB" smtClean="0"/>
-              <a:t>20/11/2016</a:t>
+              <a:t>21/11/2016</a:t>
             </a:fld>
             <a:endParaRPr lang="en-GB"/>
           </a:p>
@@ -2946,7 +3388,7 @@
           <a:p>
             <a:fld id="{9AC011D0-E7EE-420D-93AB-B1EF18D34070}" type="datetimeFigureOut">
               <a:rPr lang="en-GB" smtClean="0"/>
-              <a:t>20/11/2016</a:t>
+              <a:t>21/11/2016</a:t>
             </a:fld>
             <a:endParaRPr lang="en-GB"/>
           </a:p>
@@ -3568,13 +4010,13 @@
   <p:clrMapOvr>
     <a:masterClrMapping/>
   </p:clrMapOvr>
-  <mc:AlternateContent xmlns:mc="http://schemas.openxmlformats.org/markup-compatibility/2006">
-    <mc:Choice xmlns:p14="http://schemas.microsoft.com/office/powerpoint/2010/main" Requires="p14">
+  <mc:AlternateContent xmlns:mc="http://schemas.openxmlformats.org/markup-compatibility/2006" xmlns:p14="http://schemas.microsoft.com/office/powerpoint/2010/main">
+    <mc:Choice Requires="p14">
       <p:transition spd="med" p14:dur="700">
         <p:fade/>
       </p:transition>
     </mc:Choice>
-    <mc:Fallback>
+    <mc:Fallback xmlns="">
       <p:transition spd="med">
         <p:fade/>
       </p:transition>
@@ -3688,13 +4130,13 @@
   <p:clrMapOvr>
     <a:masterClrMapping/>
   </p:clrMapOvr>
-  <mc:AlternateContent xmlns:mc="http://schemas.openxmlformats.org/markup-compatibility/2006">
-    <mc:Choice xmlns:p14="http://schemas.microsoft.com/office/powerpoint/2010/main" Requires="p14">
+  <mc:AlternateContent xmlns:mc="http://schemas.openxmlformats.org/markup-compatibility/2006" xmlns:p14="http://schemas.microsoft.com/office/powerpoint/2010/main">
+    <mc:Choice Requires="p14">
       <p:transition spd="med" p14:dur="700">
         <p:fade/>
       </p:transition>
     </mc:Choice>
-    <mc:Fallback>
+    <mc:Fallback xmlns="">
       <p:transition spd="med">
         <p:fade/>
       </p:transition>
@@ -3743,25 +4185,93 @@
           </a:p>
         </p:txBody>
       </p:sp>
-      <p:sp>
-        <p:nvSpPr>
-          <p:cNvPr id="3" name="Content Placeholder 2"/>
-          <p:cNvSpPr>
-            <a:spLocks noGrp="1"/>
-          </p:cNvSpPr>
-          <p:nvPr>
-            <p:ph idx="1"/>
-          </p:nvPr>
-        </p:nvSpPr>
-        <p:spPr/>
-        <p:txBody>
-          <a:bodyPr/>
-          <a:lstStyle/>
-          <a:p>
-            <a:endParaRPr lang="en-GB"/>
-          </a:p>
-        </p:txBody>
-      </p:sp>
+      <p:pic>
+        <p:nvPicPr>
+          <p:cNvPr id="33" name="Content Placeholder 32"/>
+          <p:cNvPicPr>
+            <a:picLocks noGrp="1" noChangeAspect="1"/>
+          </p:cNvPicPr>
+          <p:nvPr>
+            <p:ph sz="half" idx="2"/>
+          </p:nvPr>
+        </p:nvPicPr>
+        <p:blipFill rotWithShape="1">
+          <a:blip r:embed="rId3">
+            <a:extLst>
+              <a:ext uri="{28A0092B-C50C-407E-A947-70E740481C1C}">
+                <a14:useLocalDpi xmlns:a14="http://schemas.microsoft.com/office/drawing/2010/main" val="0"/>
+              </a:ext>
+            </a:extLst>
+          </a:blip>
+          <a:srcRect l="10534" t="9068" r="11610" b="4471"/>
+          <a:stretch/>
+        </p:blipFill>
+        <p:spPr>
+          <a:xfrm>
+            <a:off x="7230657" y="1690688"/>
+            <a:ext cx="3178206" cy="2117686"/>
+          </a:xfrm>
+        </p:spPr>
+      </p:pic>
+      <p:sp>
+        <p:nvSpPr>
+          <p:cNvPr id="30" name="Content Placeholder 29"/>
+          <p:cNvSpPr>
+            <a:spLocks noGrp="1"/>
+          </p:cNvSpPr>
+          <p:nvPr>
+            <p:ph sz="half" idx="1"/>
+          </p:nvPr>
+        </p:nvSpPr>
+        <p:spPr/>
+        <p:txBody>
+          <a:bodyPr/>
+          <a:lstStyle/>
+          <a:p>
+            <a:r>
+              <a:rPr lang="en-US" dirty="0"/>
+              <a:t>Perfect for commuting/utility</a:t>
+            </a:r>
+          </a:p>
+          <a:p>
+            <a:r>
+              <a:rPr lang="en-US" dirty="0"/>
+              <a:t>Green transportation</a:t>
+            </a:r>
+            <a:endParaRPr lang="en-GB" dirty="0"/>
+          </a:p>
+        </p:txBody>
+      </p:sp>
+      <p:pic>
+        <p:nvPicPr>
+          <p:cNvPr id="34" name="Picture 33"/>
+          <p:cNvPicPr>
+            <a:picLocks noChangeAspect="1"/>
+          </p:cNvPicPr>
+          <p:nvPr/>
+        </p:nvPicPr>
+        <p:blipFill>
+          <a:blip r:embed="rId4">
+            <a:extLst>
+              <a:ext uri="{28A0092B-C50C-407E-A947-70E740481C1C}">
+                <a14:useLocalDpi xmlns:a14="http://schemas.microsoft.com/office/drawing/2010/main" val="0"/>
+              </a:ext>
+            </a:extLst>
+          </a:blip>
+          <a:stretch>
+            <a:fillRect/>
+          </a:stretch>
+        </p:blipFill>
+        <p:spPr>
+          <a:xfrm>
+            <a:off x="6344806" y="4108048"/>
+            <a:ext cx="4949907" cy="2068915"/>
+          </a:xfrm>
+          <a:prstGeom prst="rect">
+            <a:avLst/>
+          </a:prstGeom>
+        </p:spPr>
+      </p:pic>
     </p:spTree>
     <p:extLst>
       <p:ext uri="{BB962C8B-B14F-4D97-AF65-F5344CB8AC3E}">
@@ -3829,23 +4339,58 @@
       </p:sp>
       <p:sp>
         <p:nvSpPr>
-          <p:cNvPr id="3" name="Content Placeholder 2"/>
-          <p:cNvSpPr>
-            <a:spLocks noGrp="1"/>
-          </p:cNvSpPr>
-          <p:nvPr>
-            <p:ph idx="1"/>
-          </p:nvPr>
-        </p:nvSpPr>
-        <p:spPr/>
-        <p:txBody>
-          <a:bodyPr/>
-          <a:lstStyle/>
-          <a:p>
-            <a:endParaRPr lang="en-GB"/>
-          </a:p>
-        </p:txBody>
-      </p:sp>
+          <p:cNvPr id="4" name="Content Placeholder 3"/>
+          <p:cNvSpPr>
+            <a:spLocks noGrp="1"/>
+          </p:cNvSpPr>
+          <p:nvPr>
+            <p:ph sz="half" idx="1"/>
+          </p:nvPr>
+        </p:nvSpPr>
+        <p:spPr/>
+        <p:txBody>
+          <a:bodyPr/>
+          <a:lstStyle/>
+          <a:p>
+            <a:r>
+              <a:rPr lang="en-US" dirty="0"/>
+              <a:t>Slightly controversial</a:t>
+            </a:r>
+          </a:p>
+          <a:p>
+            <a:endParaRPr lang="en-GB" dirty="0"/>
+          </a:p>
+        </p:txBody>
+      </p:sp>
+      <p:pic>
+        <p:nvPicPr>
+          <p:cNvPr id="6" name="Content Placeholder 5"/>
+          <p:cNvPicPr>
+            <a:picLocks noGrp="1" noChangeAspect="1"/>
+          </p:cNvPicPr>
+          <p:nvPr>
+            <p:ph sz="half" idx="2"/>
+          </p:nvPr>
+        </p:nvPicPr>
+        <p:blipFill>
+          <a:blip r:embed="rId2">
+            <a:extLst>
+              <a:ext uri="{28A0092B-C50C-407E-A947-70E740481C1C}">
+                <a14:useLocalDpi xmlns:a14="http://schemas.microsoft.com/office/drawing/2010/main" val="0"/>
+              </a:ext>
+            </a:extLst>
+          </a:blip>
+          <a:stretch>
+            <a:fillRect/>
+          </a:stretch>
+        </p:blipFill>
+        <p:spPr>
+          <a:xfrm>
+            <a:off x="6951306" y="2404106"/>
+            <a:ext cx="4402494" cy="2543477"/>
+          </a:xfrm>
+        </p:spPr>
+      </p:pic>
     </p:spTree>
     <p:extLst>
       <p:ext uri="{BB962C8B-B14F-4D97-AF65-F5344CB8AC3E}">
@@ -3856,13 +4401,13 @@
   <p:clrMapOvr>
     <a:masterClrMapping/>
   </p:clrMapOvr>
-  <mc:AlternateContent xmlns:mc="http://schemas.openxmlformats.org/markup-compatibility/2006">
-    <mc:Choice xmlns:p14="http://schemas.microsoft.com/office/powerpoint/2010/main" Requires="p14">
+  <mc:AlternateContent xmlns:mc="http://schemas.openxmlformats.org/markup-compatibility/2006" xmlns:p14="http://schemas.microsoft.com/office/powerpoint/2010/main">
+    <mc:Choice Requires="p14">
       <p:transition spd="med" p14:dur="700">
         <p:fade/>
       </p:transition>
     </mc:Choice>
-    <mc:Fallback>
+    <mc:Fallback xmlns="">
       <p:transition spd="med">
         <p:fade/>
       </p:transition>
@@ -3940,13 +4485,13 @@
   <p:clrMapOvr>
     <a:masterClrMapping/>
   </p:clrMapOvr>
-  <mc:AlternateContent xmlns:mc="http://schemas.openxmlformats.org/markup-compatibility/2006">
-    <mc:Choice xmlns:p14="http://schemas.microsoft.com/office/powerpoint/2010/main" Requires="p14">
+  <mc:AlternateContent xmlns:mc="http://schemas.openxmlformats.org/markup-compatibility/2006" xmlns:p14="http://schemas.microsoft.com/office/powerpoint/2010/main">
+    <mc:Choice Requires="p14">
       <p:transition spd="med" p14:dur="700">
         <p:fade/>
       </p:transition>
     </mc:Choice>
-    <mc:Fallback>
+    <mc:Fallback xmlns="">
       <p:transition spd="med">
         <p:fade/>
       </p:transition>
@@ -4024,13 +4569,13 @@
   <p:clrMapOvr>
     <a:masterClrMapping/>
   </p:clrMapOvr>
-  <mc:AlternateContent xmlns:mc="http://schemas.openxmlformats.org/markup-compatibility/2006">
-    <mc:Choice xmlns:p14="http://schemas.microsoft.com/office/powerpoint/2010/main" Requires="p14">
+  <mc:AlternateContent xmlns:mc="http://schemas.openxmlformats.org/markup-compatibility/2006" xmlns:p14="http://schemas.microsoft.com/office/powerpoint/2010/main">
+    <mc:Choice Requires="p14">
       <p:transition spd="med" p14:dur="700">
         <p:fade/>
       </p:transition>
     </mc:Choice>
-    <mc:Fallback>
+    <mc:Fallback xmlns="">
       <p:transition spd="med">
         <p:fade/>
       </p:transition>
@@ -4442,4 +4987,299 @@
     </a:ext>
   </a:extLst>
 </a:theme>
+</file>
+
+<file path=ppt/theme/theme2.xml><?xml version="1.0" encoding="utf-8"?>
+<a:theme xmlns:a="http://schemas.openxmlformats.org/drawingml/2006/main" name="Office Theme">
+  <a:themeElements>
+    <a:clrScheme name="Office">
+      <a:dk1>
+        <a:sysClr val="windowText" lastClr="000000"/>
+      </a:dk1>
+      <a:lt1>
+        <a:sysClr val="window" lastClr="FFFFFF"/>
+      </a:lt1>
+      <a:dk2>
+        <a:srgbClr val="44546A"/>
+      </a:dk2>
+      <a:lt2>
+        <a:srgbClr val="E7E6E6"/>
+      </a:lt2>
+      <a:accent1>
+        <a:srgbClr val="5B9BD5"/>
+      </a:accent1>
+      <a:accent2>
+        <a:srgbClr val="ED7D31"/>
+      </a:accent2>
+      <a:accent3>
+        <a:srgbClr val="A5A5A5"/>
+      </a:accent3>
+      <a:accent4>
+        <a:srgbClr val="FFC000"/>
+      </a:accent4>
+      <a:accent5>
+        <a:srgbClr val="4472C4"/>
+      </a:accent5>
+      <a:accent6>
+        <a:srgbClr val="70AD47"/>
+      </a:accent6>
+      <a:hlink>
+        <a:srgbClr val="0563C1"/>
+      </a:hlink>
+      <a:folHlink>
+        <a:srgbClr val="954F72"/>
+      </a:folHlink>
+    </a:clrScheme>
+    <a:fontScheme name="Office">
+      <a:majorFont>
+        <a:latin typeface="Calibri Light" panose="020F0302020204030204"/>
+        <a:ea typeface=""/>
+        <a:cs typeface=""/>
+        <a:font script="Jpan" typeface="游ゴシック Light"/>
+        <a:font script="Hang" typeface="맑은 고딕"/>
+        <a:font script="Hans" typeface="等线 Light"/>
+        <a:font script="Hant" typeface="新細明體"/>
+        <a:font script="Arab" typeface="Times New Roman"/>
+        <a:font script="Hebr" typeface="Times New Roman"/>
+        <a:font script="Thai" typeface="Angsana New"/>
+        <a:font script="Ethi" typeface="Nyala"/>
+        <a:font script="Beng" typeface="Vrinda"/>
+        <a:font script="Gujr" typeface="Shruti"/>
+        <a:font script="Khmr" typeface="MoolBoran"/>
+        <a:font script="Knda" typeface="Tunga"/>
+        <a:font script="Guru" typeface="Raavi"/>
+        <a:font script="Cans" typeface="Euphemia"/>
+        <a:font script="Cher" typeface="Plantagenet Cherokee"/>
+        <a:font script="Yiii" typeface="Microsoft Yi Baiti"/>
+        <a:font script="Tibt" typeface="Microsoft Himalaya"/>
+        <a:font script="Thaa" typeface="MV Boli"/>
+        <a:font script="Deva" typeface="Mangal"/>
+        <a:font script="Telu" typeface="Gautami"/>
+        <a:font script="Taml" typeface="Latha"/>
+        <a:font script="Syrc" typeface="Estrangelo Edessa"/>
+        <a:font script="Orya" typeface="Kalinga"/>
+        <a:font script="Mlym" typeface="Kartika"/>
+        <a:font script="Laoo" typeface="DokChampa"/>
+        <a:font script="Sinh" typeface="Iskoola Pota"/>
+        <a:font script="Mong" typeface="Mongolian Baiti"/>
+        <a:font script="Viet" typeface="Times New Roman"/>
+        <a:font script="Uigh" typeface="Microsoft Uighur"/>
+        <a:font script="Geor" typeface="Sylfaen"/>
+        <a:font script="Armn" typeface="Arial"/>
+        <a:font script="Bugi" typeface="Leelawadee UI"/>
+        <a:font script="Bopo" typeface="Microsoft JhengHei"/>
+        <a:font script="Java" typeface="Javanese Text"/>
+        <a:font script="Lisu" typeface="Segoe UI"/>
+        <a:font script="Mymr" typeface="Myanmar Text"/>
+        <a:font script="Nkoo" typeface="Ebrima"/>
+        <a:font script="Olck" typeface="Nirmala UI"/>
+        <a:font script="Osma" typeface="Ebrima"/>
+        <a:font script="Phag" typeface="Phagspa"/>
+        <a:font script="Syrn" typeface="Estrangelo Edessa"/>
+        <a:font script="Syrj" typeface="Estrangelo Edessa"/>
+        <a:font script="Syre" typeface="Estrangelo Edessa"/>
+        <a:font script="Sora" typeface="Nirmala UI"/>
+        <a:font script="Tale" typeface="Microsoft Tai Le"/>
+        <a:font script="Talu" typeface="Microsoft New Tai Lue"/>
+        <a:font script="Tfng" typeface="Ebrima"/>
+      </a:majorFont>
+      <a:minorFont>
+        <a:latin typeface="Calibri" panose="020F0502020204030204"/>
+        <a:ea typeface=""/>
+        <a:cs typeface=""/>
+        <a:font script="Jpan" typeface="游ゴシック"/>
+        <a:font script="Hang" typeface="맑은 고딕"/>
+        <a:font script="Hans" typeface="等线"/>
+        <a:font script="Hant" typeface="新細明體"/>
+        <a:font script="Arab" typeface="Arial"/>
+        <a:font script="Hebr" typeface="Arial"/>
+        <a:font script="Thai" typeface="Cordia New"/>
+        <a:font script="Ethi" typeface="Nyala"/>
+        <a:font script="Beng" typeface="Vrinda"/>
+        <a:font script="Gujr" typeface="Shruti"/>
+        <a:font script="Khmr" typeface="DaunPenh"/>
+        <a:font script="Knda" typeface="Tunga"/>
+        <a:font script="Guru" typeface="Raavi"/>
+        <a:font script="Cans" typeface="Euphemia"/>
+        <a:font script="Cher" typeface="Plantagenet Cherokee"/>
+        <a:font script="Yiii" typeface="Microsoft Yi Baiti"/>
+        <a:font script="Tibt" typeface="Microsoft Himalaya"/>
+        <a:font script="Thaa" typeface="MV Boli"/>
+        <a:font script="Deva" typeface="Mangal"/>
+        <a:font script="Telu" typeface="Gautami"/>
+        <a:font script="Taml" typeface="Latha"/>
+        <a:font script="Syrc" typeface="Estrangelo Edessa"/>
+        <a:font script="Orya" typeface="Kalinga"/>
+        <a:font script="Mlym" typeface="Kartika"/>
+        <a:font script="Laoo" typeface="DokChampa"/>
+        <a:font script="Sinh" typeface="Iskoola Pota"/>
+        <a:font script="Mong" typeface="Mongolian Baiti"/>
+        <a:font script="Viet" typeface="Arial"/>
+        <a:font script="Uigh" typeface="Microsoft Uighur"/>
+        <a:font script="Geor" typeface="Sylfaen"/>
+        <a:font script="Armn" typeface="Arial"/>
+        <a:font script="Bugi" typeface="Leelawadee UI"/>
+        <a:font script="Bopo" typeface="Microsoft JhengHei"/>
+        <a:font script="Java" typeface="Javanese Text"/>
+        <a:font script="Lisu" typeface="Segoe UI"/>
+        <a:font script="Mymr" typeface="Myanmar Text"/>
+        <a:font script="Nkoo" typeface="Ebrima"/>
+        <a:font script="Olck" typeface="Nirmala UI"/>
+        <a:font script="Osma" typeface="Ebrima"/>
+        <a:font script="Phag" typeface="Phagspa"/>
+        <a:font script="Syrn" typeface="Estrangelo Edessa"/>
+        <a:font script="Syrj" typeface="Estrangelo Edessa"/>
+        <a:font script="Syre" typeface="Estrangelo Edessa"/>
+        <a:font script="Sora" typeface="Nirmala UI"/>
+        <a:font script="Tale" typeface="Microsoft Tai Le"/>
+        <a:font script="Talu" typeface="Microsoft New Tai Lue"/>
+        <a:font script="Tfng" typeface="Ebrima"/>
+      </a:minorFont>
+    </a:fontScheme>
+    <a:fmtScheme name="Office">
+      <a:fillStyleLst>
+        <a:solidFill>
+          <a:schemeClr val="phClr"/>
+        </a:solidFill>
+        <a:gradFill rotWithShape="1">
+          <a:gsLst>
+            <a:gs pos="0">
+              <a:schemeClr val="phClr">
+                <a:lumMod val="110000"/>
+                <a:satMod val="105000"/>
+                <a:tint val="67000"/>
+              </a:schemeClr>
+            </a:gs>
+            <a:gs pos="50000">
+              <a:schemeClr val="phClr">
+                <a:lumMod val="105000"/>
+                <a:satMod val="103000"/>
+                <a:tint val="73000"/>
+              </a:schemeClr>
+            </a:gs>
+            <a:gs pos="100000">
+              <a:schemeClr val="phClr">
+                <a:lumMod val="105000"/>
+                <a:satMod val="109000"/>
+                <a:tint val="81000"/>
+              </a:schemeClr>
+            </a:gs>
+          </a:gsLst>
+          <a:lin ang="5400000" scaled="0"/>
+        </a:gradFill>
+        <a:gradFill rotWithShape="1">
+          <a:gsLst>
+            <a:gs pos="0">
+              <a:schemeClr val="phClr">
+                <a:satMod val="103000"/>
+                <a:lumMod val="102000"/>
+                <a:tint val="94000"/>
+              </a:schemeClr>
+            </a:gs>
+            <a:gs pos="50000">
+              <a:schemeClr val="phClr">
+                <a:satMod val="110000"/>
+                <a:lumMod val="100000"/>
+                <a:shade val="100000"/>
+              </a:schemeClr>
+            </a:gs>
+            <a:gs pos="100000">
+              <a:schemeClr val="phClr">
+                <a:lumMod val="99000"/>
+                <a:satMod val="120000"/>
+                <a:shade val="78000"/>
+              </a:schemeClr>
+            </a:gs>
+          </a:gsLst>
+          <a:lin ang="5400000" scaled="0"/>
+        </a:gradFill>
+      </a:fillStyleLst>
+      <a:lnStyleLst>
+        <a:ln w="6350" cap="flat" cmpd="sng" algn="ctr">
+          <a:solidFill>
+            <a:schemeClr val="phClr"/>
+          </a:solidFill>
+          <a:prstDash val="solid"/>
+          <a:miter lim="800000"/>
+        </a:ln>
+        <a:ln w="12700" cap="flat" cmpd="sng" algn="ctr">
+          <a:solidFill>
+            <a:schemeClr val="phClr"/>
+          </a:solidFill>
+          <a:prstDash val="solid"/>
+          <a:miter lim="800000"/>
+        </a:ln>
+        <a:ln w="19050" cap="flat" cmpd="sng" algn="ctr">
+          <a:solidFill>
+            <a:schemeClr val="phClr"/>
+          </a:solidFill>
+          <a:prstDash val="solid"/>
+          <a:miter lim="800000"/>
+        </a:ln>
+      </a:lnStyleLst>
+      <a:effectStyleLst>
+        <a:effectStyle>
+          <a:effectLst/>
+        </a:effectStyle>
+        <a:effectStyle>
+          <a:effectLst/>
+        </a:effectStyle>
+        <a:effectStyle>
+          <a:effectLst>
+            <a:outerShdw blurRad="57150" dist="19050" dir="5400000" algn="ctr" rotWithShape="0">
+              <a:srgbClr val="000000">
+                <a:alpha val="63000"/>
+              </a:srgbClr>
+            </a:outerShdw>
+          </a:effectLst>
+        </a:effectStyle>
+      </a:effectStyleLst>
+      <a:bgFillStyleLst>
+        <a:solidFill>
+          <a:schemeClr val="phClr"/>
+        </a:solidFill>
+        <a:solidFill>
+          <a:schemeClr val="phClr">
+            <a:tint val="95000"/>
+            <a:satMod val="170000"/>
+          </a:schemeClr>
+        </a:solidFill>
+        <a:gradFill rotWithShape="1">
+          <a:gsLst>
+            <a:gs pos="0">
+              <a:schemeClr val="phClr">
+                <a:tint val="93000"/>
+                <a:satMod val="150000"/>
+                <a:shade val="98000"/>
+                <a:lumMod val="102000"/>
+              </a:schemeClr>
+            </a:gs>
+            <a:gs pos="50000">
+              <a:schemeClr val="phClr">
+                <a:tint val="98000"/>
+                <a:satMod val="130000"/>
+                <a:shade val="90000"/>
+                <a:lumMod val="103000"/>
+              </a:schemeClr>
+            </a:gs>
+            <a:gs pos="100000">
+              <a:schemeClr val="phClr">
+                <a:shade val="63000"/>
+                <a:satMod val="120000"/>
+              </a:schemeClr>
+            </a:gs>
+          </a:gsLst>
+          <a:lin ang="5400000" scaled="0"/>
+        </a:gradFill>
+      </a:bgFillStyleLst>
+    </a:fmtScheme>
+  </a:themeElements>
+  <a:objectDefaults/>
+  <a:extraClrSchemeLst/>
+  <a:extLst>
+    <a:ext uri="{05A4C25C-085E-4340-85A3-A5531E510DB2}">
+      <thm15:themeFamily xmlns:thm15="http://schemas.microsoft.com/office/thememl/2012/main" name="Office Theme" id="{62F939B6-93AF-4DB8-9C6B-D6C7DFDC589F}" vid="{4A3C46E8-61CC-4603-A589-7422A47A8E4A}"/>
+    </a:ext>
+  </a:extLst>
+</a:theme>
 </file>
--- a/companies/Bosch/presentation/Presentation.pptx
+++ b/companies/Bosch/presentation/Presentation.pptx
@@ -204,7 +204,7 @@
           <a:p>
             <a:fld id="{BFE6F66D-FDA9-431D-8FC6-071027240D66}" type="datetimeFigureOut">
               <a:rPr lang="en-GB" smtClean="0"/>
-              <a:t>21/11/2016</a:t>
+              <a:t>22/11/2016</a:t>
             </a:fld>
             <a:endParaRPr lang="en-GB"/>
           </a:p>
@@ -687,7 +687,7 @@
           <a:p>
             <a:fld id="{9AC011D0-E7EE-420D-93AB-B1EF18D34070}" type="datetimeFigureOut">
               <a:rPr lang="en-GB" smtClean="0"/>
-              <a:t>21/11/2016</a:t>
+              <a:t>22/11/2016</a:t>
             </a:fld>
             <a:endParaRPr lang="en-GB"/>
           </a:p>
@@ -857,7 +857,7 @@
           <a:p>
             <a:fld id="{9AC011D0-E7EE-420D-93AB-B1EF18D34070}" type="datetimeFigureOut">
               <a:rPr lang="en-GB" smtClean="0"/>
-              <a:t>21/11/2016</a:t>
+              <a:t>22/11/2016</a:t>
             </a:fld>
             <a:endParaRPr lang="en-GB"/>
           </a:p>
@@ -1037,7 +1037,7 @@
           <a:p>
             <a:fld id="{9AC011D0-E7EE-420D-93AB-B1EF18D34070}" type="datetimeFigureOut">
               <a:rPr lang="en-GB" smtClean="0"/>
-              <a:t>21/11/2016</a:t>
+              <a:t>22/11/2016</a:t>
             </a:fld>
             <a:endParaRPr lang="en-GB"/>
           </a:p>
@@ -1207,7 +1207,7 @@
           <a:p>
             <a:fld id="{9AC011D0-E7EE-420D-93AB-B1EF18D34070}" type="datetimeFigureOut">
               <a:rPr lang="en-GB" smtClean="0"/>
-              <a:t>21/11/2016</a:t>
+              <a:t>22/11/2016</a:t>
             </a:fld>
             <a:endParaRPr lang="en-GB"/>
           </a:p>
@@ -1833,7 +1833,7 @@
           <a:p>
             <a:fld id="{9AC011D0-E7EE-420D-93AB-B1EF18D34070}" type="datetimeFigureOut">
               <a:rPr lang="en-GB" smtClean="0"/>
-              <a:t>21/11/2016</a:t>
+              <a:t>22/11/2016</a:t>
             </a:fld>
             <a:endParaRPr lang="en-GB"/>
           </a:p>
@@ -2065,7 +2065,7 @@
           <a:p>
             <a:fld id="{9AC011D0-E7EE-420D-93AB-B1EF18D34070}" type="datetimeFigureOut">
               <a:rPr lang="en-GB" smtClean="0"/>
-              <a:t>21/11/2016</a:t>
+              <a:t>22/11/2016</a:t>
             </a:fld>
             <a:endParaRPr lang="en-GB"/>
           </a:p>
@@ -2113,6 +2113,386 @@
           </a:p>
         </p:txBody>
       </p:sp>
+      <p:pic>
+        <p:nvPicPr>
+          <p:cNvPr id="8" name="Picture 7"/>
+          <p:cNvPicPr>
+            <a:picLocks noChangeAspect="1"/>
+          </p:cNvPicPr>
+          <p:nvPr userDrawn="1"/>
+        </p:nvPicPr>
+        <p:blipFill>
+          <a:blip r:embed="rId2">
+            <a:extLst>
+              <a:ext uri="{28A0092B-C50C-407E-A947-70E740481C1C}">
+                <a14:useLocalDpi xmlns:a14="http://schemas.microsoft.com/office/drawing/2010/main" val="0"/>
+              </a:ext>
+            </a:extLst>
+          </a:blip>
+          <a:stretch>
+            <a:fillRect/>
+          </a:stretch>
+        </p:blipFill>
+        <p:spPr>
+          <a:xfrm>
+            <a:off x="9541625" y="5762080"/>
+            <a:ext cx="2510444" cy="594269"/>
+          </a:xfrm>
+          <a:prstGeom prst="rect">
+            <a:avLst/>
+          </a:prstGeom>
+        </p:spPr>
+      </p:pic>
+      <p:grpSp>
+        <p:nvGrpSpPr>
+          <p:cNvPr id="9" name="Group 8"/>
+          <p:cNvGrpSpPr/>
+          <p:nvPr userDrawn="1"/>
+        </p:nvGrpSpPr>
+        <p:grpSpPr>
+          <a:xfrm>
+            <a:off x="0" y="6448424"/>
+            <a:ext cx="12192000" cy="409575"/>
+            <a:chOff x="0" y="6448424"/>
+            <a:chExt cx="12192000" cy="409575"/>
+          </a:xfrm>
+        </p:grpSpPr>
+        <p:sp>
+          <p:nvSpPr>
+            <p:cNvPr id="10" name="Rectangle 9"/>
+            <p:cNvSpPr/>
+            <p:nvPr userDrawn="1"/>
+          </p:nvSpPr>
+          <p:spPr>
+            <a:xfrm>
+              <a:off x="0" y="6721474"/>
+              <a:ext cx="12192000" cy="136525"/>
+            </a:xfrm>
+            <a:prstGeom prst="rect">
+              <a:avLst/>
+            </a:prstGeom>
+            <a:solidFill>
+              <a:schemeClr val="tx1">
+                <a:lumMod val="85000"/>
+                <a:lumOff val="15000"/>
+              </a:schemeClr>
+            </a:solidFill>
+            <a:ln>
+              <a:solidFill>
+                <a:schemeClr val="tx1">
+                  <a:lumMod val="85000"/>
+                  <a:lumOff val="15000"/>
+                </a:schemeClr>
+              </a:solidFill>
+            </a:ln>
+          </p:spPr>
+          <p:style>
+            <a:lnRef idx="2">
+              <a:schemeClr val="accent1">
+                <a:shade val="50000"/>
+              </a:schemeClr>
+            </a:lnRef>
+            <a:fillRef idx="1">
+              <a:schemeClr val="accent1"/>
+            </a:fillRef>
+            <a:effectRef idx="0">
+              <a:schemeClr val="accent1"/>
+            </a:effectRef>
+            <a:fontRef idx="minor">
+              <a:schemeClr val="lt1"/>
+            </a:fontRef>
+          </p:style>
+          <p:txBody>
+            <a:bodyPr rtlCol="0" anchor="ctr"/>
+            <a:lstStyle/>
+            <a:p>
+              <a:pPr algn="ctr"/>
+              <a:endParaRPr lang="en-GB"/>
+            </a:p>
+          </p:txBody>
+        </p:sp>
+        <p:sp>
+          <p:nvSpPr>
+            <p:cNvPr id="11" name="Rectangle 10"/>
+            <p:cNvSpPr/>
+            <p:nvPr userDrawn="1"/>
+          </p:nvSpPr>
+          <p:spPr>
+            <a:xfrm>
+              <a:off x="0" y="6584950"/>
+              <a:ext cx="12192000" cy="136525"/>
+            </a:xfrm>
+            <a:prstGeom prst="rect">
+              <a:avLst/>
+            </a:prstGeom>
+            <a:solidFill>
+              <a:schemeClr val="tx1">
+                <a:lumMod val="50000"/>
+                <a:lumOff val="50000"/>
+              </a:schemeClr>
+            </a:solidFill>
+            <a:ln>
+              <a:solidFill>
+                <a:schemeClr val="tx1">
+                  <a:lumMod val="50000"/>
+                  <a:lumOff val="50000"/>
+                </a:schemeClr>
+              </a:solidFill>
+            </a:ln>
+          </p:spPr>
+          <p:style>
+            <a:lnRef idx="2">
+              <a:schemeClr val="accent1">
+                <a:shade val="50000"/>
+              </a:schemeClr>
+            </a:lnRef>
+            <a:fillRef idx="1">
+              <a:schemeClr val="accent1"/>
+            </a:fillRef>
+            <a:effectRef idx="0">
+              <a:schemeClr val="accent1"/>
+            </a:effectRef>
+            <a:fontRef idx="minor">
+              <a:schemeClr val="lt1"/>
+            </a:fontRef>
+          </p:style>
+          <p:txBody>
+            <a:bodyPr rtlCol="0" anchor="ctr"/>
+            <a:lstStyle/>
+            <a:p>
+              <a:pPr algn="ctr"/>
+              <a:endParaRPr lang="en-GB"/>
+            </a:p>
+          </p:txBody>
+        </p:sp>
+        <p:sp>
+          <p:nvSpPr>
+            <p:cNvPr id="12" name="Rectangle 11"/>
+            <p:cNvSpPr/>
+            <p:nvPr userDrawn="1"/>
+          </p:nvSpPr>
+          <p:spPr>
+            <a:xfrm>
+              <a:off x="0" y="6448424"/>
+              <a:ext cx="12192000" cy="136525"/>
+            </a:xfrm>
+            <a:prstGeom prst="rect">
+              <a:avLst/>
+            </a:prstGeom>
+            <a:solidFill>
+              <a:schemeClr val="bg1">
+                <a:lumMod val="85000"/>
+              </a:schemeClr>
+            </a:solidFill>
+            <a:ln>
+              <a:solidFill>
+                <a:schemeClr val="bg1">
+                  <a:lumMod val="85000"/>
+                </a:schemeClr>
+              </a:solidFill>
+            </a:ln>
+          </p:spPr>
+          <p:style>
+            <a:lnRef idx="2">
+              <a:schemeClr val="accent1">
+                <a:shade val="50000"/>
+              </a:schemeClr>
+            </a:lnRef>
+            <a:fillRef idx="1">
+              <a:schemeClr val="accent1"/>
+            </a:fillRef>
+            <a:effectRef idx="0">
+              <a:schemeClr val="accent1"/>
+            </a:effectRef>
+            <a:fontRef idx="minor">
+              <a:schemeClr val="lt1"/>
+            </a:fontRef>
+          </p:style>
+          <p:txBody>
+            <a:bodyPr rtlCol="0" anchor="ctr"/>
+            <a:lstStyle/>
+            <a:p>
+              <a:pPr algn="ctr"/>
+              <a:endParaRPr lang="en-GB"/>
+            </a:p>
+          </p:txBody>
+        </p:sp>
+      </p:grpSp>
+      <p:grpSp>
+        <p:nvGrpSpPr>
+          <p:cNvPr id="13" name="Group 12"/>
+          <p:cNvGrpSpPr/>
+          <p:nvPr userDrawn="1"/>
+        </p:nvGrpSpPr>
+        <p:grpSpPr>
+          <a:xfrm rot="10800000">
+            <a:off x="0" y="0"/>
+            <a:ext cx="12192000" cy="409575"/>
+            <a:chOff x="0" y="6448424"/>
+            <a:chExt cx="12192000" cy="409575"/>
+          </a:xfrm>
+        </p:grpSpPr>
+        <p:sp>
+          <p:nvSpPr>
+            <p:cNvPr id="14" name="Rectangle 13"/>
+            <p:cNvSpPr/>
+            <p:nvPr userDrawn="1"/>
+          </p:nvSpPr>
+          <p:spPr>
+            <a:xfrm>
+              <a:off x="0" y="6721474"/>
+              <a:ext cx="12192000" cy="136525"/>
+            </a:xfrm>
+            <a:prstGeom prst="rect">
+              <a:avLst/>
+            </a:prstGeom>
+            <a:solidFill>
+              <a:schemeClr val="tx1">
+                <a:lumMod val="85000"/>
+                <a:lumOff val="15000"/>
+              </a:schemeClr>
+            </a:solidFill>
+            <a:ln>
+              <a:solidFill>
+                <a:schemeClr val="tx1">
+                  <a:lumMod val="85000"/>
+                  <a:lumOff val="15000"/>
+                </a:schemeClr>
+              </a:solidFill>
+            </a:ln>
+          </p:spPr>
+          <p:style>
+            <a:lnRef idx="2">
+              <a:schemeClr val="accent1">
+                <a:shade val="50000"/>
+              </a:schemeClr>
+            </a:lnRef>
+            <a:fillRef idx="1">
+              <a:schemeClr val="accent1"/>
+            </a:fillRef>
+            <a:effectRef idx="0">
+              <a:schemeClr val="accent1"/>
+            </a:effectRef>
+            <a:fontRef idx="minor">
+              <a:schemeClr val="lt1"/>
+            </a:fontRef>
+          </p:style>
+          <p:txBody>
+            <a:bodyPr rtlCol="0" anchor="ctr"/>
+            <a:lstStyle/>
+            <a:p>
+              <a:pPr algn="ctr"/>
+              <a:endParaRPr lang="en-GB"/>
+            </a:p>
+          </p:txBody>
+        </p:sp>
+        <p:sp>
+          <p:nvSpPr>
+            <p:cNvPr id="15" name="Rectangle 14"/>
+            <p:cNvSpPr/>
+            <p:nvPr userDrawn="1"/>
+          </p:nvSpPr>
+          <p:spPr>
+            <a:xfrm>
+              <a:off x="0" y="6584950"/>
+              <a:ext cx="12192000" cy="136525"/>
+            </a:xfrm>
+            <a:prstGeom prst="rect">
+              <a:avLst/>
+            </a:prstGeom>
+            <a:solidFill>
+              <a:schemeClr val="tx1">
+                <a:lumMod val="50000"/>
+                <a:lumOff val="50000"/>
+              </a:schemeClr>
+            </a:solidFill>
+            <a:ln>
+              <a:solidFill>
+                <a:schemeClr val="tx1">
+                  <a:lumMod val="50000"/>
+                  <a:lumOff val="50000"/>
+                </a:schemeClr>
+              </a:solidFill>
+            </a:ln>
+          </p:spPr>
+          <p:style>
+            <a:lnRef idx="2">
+              <a:schemeClr val="accent1">
+                <a:shade val="50000"/>
+              </a:schemeClr>
+            </a:lnRef>
+            <a:fillRef idx="1">
+              <a:schemeClr val="accent1"/>
+            </a:fillRef>
+            <a:effectRef idx="0">
+              <a:schemeClr val="accent1"/>
+            </a:effectRef>
+            <a:fontRef idx="minor">
+              <a:schemeClr val="lt1"/>
+            </a:fontRef>
+          </p:style>
+          <p:txBody>
+            <a:bodyPr rtlCol="0" anchor="ctr"/>
+            <a:lstStyle/>
+            <a:p>
+              <a:pPr algn="ctr"/>
+              <a:endParaRPr lang="en-GB"/>
+            </a:p>
+          </p:txBody>
+        </p:sp>
+        <p:sp>
+          <p:nvSpPr>
+            <p:cNvPr id="16" name="Rectangle 15"/>
+            <p:cNvSpPr/>
+            <p:nvPr userDrawn="1"/>
+          </p:nvSpPr>
+          <p:spPr>
+            <a:xfrm>
+              <a:off x="0" y="6448424"/>
+              <a:ext cx="12192000" cy="136525"/>
+            </a:xfrm>
+            <a:prstGeom prst="rect">
+              <a:avLst/>
+            </a:prstGeom>
+            <a:solidFill>
+              <a:schemeClr val="bg1">
+                <a:lumMod val="85000"/>
+              </a:schemeClr>
+            </a:solidFill>
+            <a:ln>
+              <a:solidFill>
+                <a:schemeClr val="bg1">
+                  <a:lumMod val="85000"/>
+                </a:schemeClr>
+              </a:solidFill>
+            </a:ln>
+          </p:spPr>
+          <p:style>
+            <a:lnRef idx="2">
+              <a:schemeClr val="accent1">
+                <a:shade val="50000"/>
+              </a:schemeClr>
+            </a:lnRef>
+            <a:fillRef idx="1">
+              <a:schemeClr val="accent1"/>
+            </a:fillRef>
+            <a:effectRef idx="0">
+              <a:schemeClr val="accent1"/>
+            </a:effectRef>
+            <a:fontRef idx="minor">
+              <a:schemeClr val="lt1"/>
+            </a:fontRef>
+          </p:style>
+          <p:txBody>
+            <a:bodyPr rtlCol="0" anchor="ctr"/>
+            <a:lstStyle/>
+            <a:p>
+              <a:pPr algn="ctr"/>
+              <a:endParaRPr lang="en-GB"/>
+            </a:p>
+          </p:txBody>
+        </p:sp>
+      </p:grpSp>
     </p:spTree>
     <p:extLst>
       <p:ext uri="{BB962C8B-B14F-4D97-AF65-F5344CB8AC3E}">
@@ -2432,7 +2812,7 @@
           <a:p>
             <a:fld id="{9AC011D0-E7EE-420D-93AB-B1EF18D34070}" type="datetimeFigureOut">
               <a:rPr lang="en-GB" smtClean="0"/>
-              <a:t>21/11/2016</a:t>
+              <a:t>22/11/2016</a:t>
             </a:fld>
             <a:endParaRPr lang="en-GB"/>
           </a:p>
@@ -2550,7 +2930,7 @@
           <a:p>
             <a:fld id="{9AC011D0-E7EE-420D-93AB-B1EF18D34070}" type="datetimeFigureOut">
               <a:rPr lang="en-GB" smtClean="0"/>
-              <a:t>21/11/2016</a:t>
+              <a:t>22/11/2016</a:t>
             </a:fld>
             <a:endParaRPr lang="en-GB"/>
           </a:p>
@@ -2645,7 +3025,7 @@
           <a:p>
             <a:fld id="{9AC011D0-E7EE-420D-93AB-B1EF18D34070}" type="datetimeFigureOut">
               <a:rPr lang="en-GB" smtClean="0"/>
-              <a:t>21/11/2016</a:t>
+              <a:t>22/11/2016</a:t>
             </a:fld>
             <a:endParaRPr lang="en-GB"/>
           </a:p>
@@ -2922,7 +3302,7 @@
           <a:p>
             <a:fld id="{9AC011D0-E7EE-420D-93AB-B1EF18D34070}" type="datetimeFigureOut">
               <a:rPr lang="en-GB" smtClean="0"/>
-              <a:t>21/11/2016</a:t>
+              <a:t>22/11/2016</a:t>
             </a:fld>
             <a:endParaRPr lang="en-GB"/>
           </a:p>
@@ -3175,7 +3555,7 @@
           <a:p>
             <a:fld id="{9AC011D0-E7EE-420D-93AB-B1EF18D34070}" type="datetimeFigureOut">
               <a:rPr lang="en-GB" smtClean="0"/>
-              <a:t>21/11/2016</a:t>
+              <a:t>22/11/2016</a:t>
             </a:fld>
             <a:endParaRPr lang="en-GB"/>
           </a:p>
@@ -3388,7 +3768,7 @@
           <a:p>
             <a:fld id="{9AC011D0-E7EE-420D-93AB-B1EF18D34070}" type="datetimeFigureOut">
               <a:rPr lang="en-GB" smtClean="0"/>
-              <a:t>21/11/2016</a:t>
+              <a:t>22/11/2016</a:t>
             </a:fld>
             <a:endParaRPr lang="en-GB"/>
           </a:p>
@@ -4208,7 +4588,7 @@
         </p:blipFill>
         <p:spPr>
           <a:xfrm>
-            <a:off x="7230657" y="1690688"/>
+            <a:off x="7133003" y="1282315"/>
             <a:ext cx="3178206" cy="2117686"/>
           </a:xfrm>
         </p:spPr>
@@ -4264,7 +4644,7 @@
         </p:blipFill>
         <p:spPr>
           <a:xfrm>
-            <a:off x="6344806" y="4108048"/>
+            <a:off x="6247152" y="3699675"/>
             <a:ext cx="4949907" cy="2068915"/>
           </a:xfrm>
           <a:prstGeom prst="rect">
@@ -4282,13 +4662,13 @@
   <p:clrMapOvr>
     <a:masterClrMapping/>
   </p:clrMapOvr>
-  <mc:AlternateContent xmlns:mc="http://schemas.openxmlformats.org/markup-compatibility/2006">
-    <mc:Choice xmlns:p14="http://schemas.microsoft.com/office/powerpoint/2010/main" Requires="p14">
+  <mc:AlternateContent xmlns:mc="http://schemas.openxmlformats.org/markup-compatibility/2006" xmlns:p14="http://schemas.microsoft.com/office/powerpoint/2010/main">
+    <mc:Choice Requires="p14">
       <p:transition spd="med" p14:dur="700">
         <p:fade/>
       </p:transition>
     </mc:Choice>
-    <mc:Fallback>
+    <mc:Fallback xmlns="">
       <p:transition spd="med">
         <p:fade/>
       </p:transition>
@@ -4471,7 +4851,35 @@
           <a:bodyPr/>
           <a:lstStyle/>
           <a:p>
-            <a:endParaRPr lang="en-GB"/>
+            <a:r>
+              <a:rPr lang="en-US" dirty="0"/>
+              <a:t>Extended life</a:t>
+            </a:r>
+          </a:p>
+          <a:p>
+            <a:r>
+              <a:rPr lang="en-US" dirty="0"/>
+              <a:t>Reduced weight</a:t>
+            </a:r>
+          </a:p>
+          <a:p>
+            <a:r>
+              <a:rPr lang="en-US" dirty="0"/>
+              <a:t>Faster charging</a:t>
+            </a:r>
+          </a:p>
+          <a:p>
+            <a:r>
+              <a:rPr lang="en-US" dirty="0"/>
+              <a:t>Wireless charging</a:t>
+            </a:r>
+          </a:p>
+          <a:p>
+            <a:r>
+              <a:rPr lang="en-US" dirty="0"/>
+              <a:t>Reduced costs</a:t>
+            </a:r>
+            <a:endParaRPr lang="en-GB" dirty="0"/>
           </a:p>
         </p:txBody>
       </p:sp>
@@ -4555,7 +4963,25 @@
           <a:bodyPr/>
           <a:lstStyle/>
           <a:p>
-            <a:endParaRPr lang="en-GB"/>
+            <a:r>
+              <a:rPr lang="en-US" dirty="0"/>
+              <a:t>Smaller</a:t>
+            </a:r>
+          </a:p>
+          <a:p>
+            <a:r>
+              <a:rPr lang="en-US" dirty="0"/>
+              <a:t>Lighter</a:t>
+            </a:r>
+          </a:p>
+          <a:p>
+            <a:r>
+              <a:rPr lang="en-US" dirty="0"/>
+              <a:t>More power</a:t>
+            </a:r>
+          </a:p>
+          <a:p>
+            <a:endParaRPr lang="en-GB" dirty="0"/>
           </a:p>
         </p:txBody>
       </p:sp>
@@ -4626,12 +5052,12 @@
       </p:sp>
       <p:sp>
         <p:nvSpPr>
-          <p:cNvPr id="3" name="Content Placeholder 2"/>
-          <p:cNvSpPr>
-            <a:spLocks noGrp="1"/>
-          </p:cNvSpPr>
-          <p:nvPr>
-            <p:ph idx="1"/>
+          <p:cNvPr id="4" name="Content Placeholder 3"/>
+          <p:cNvSpPr>
+            <a:spLocks noGrp="1"/>
+          </p:cNvSpPr>
+          <p:nvPr>
+            <p:ph sz="half" idx="1"/>
           </p:nvPr>
         </p:nvSpPr>
         <p:spPr/>
@@ -4639,10 +5065,67 @@
           <a:bodyPr/>
           <a:lstStyle/>
           <a:p>
-            <a:endParaRPr lang="en-GB"/>
-          </a:p>
-        </p:txBody>
-      </p:sp>
+            <a:r>
+              <a:rPr lang="en-US" dirty="0"/>
+              <a:t>Built in lights</a:t>
+            </a:r>
+          </a:p>
+          <a:p>
+            <a:r>
+              <a:rPr lang="en-US" dirty="0"/>
+              <a:t>Sensors</a:t>
+            </a:r>
+          </a:p>
+          <a:p>
+            <a:r>
+              <a:rPr lang="en-US" dirty="0"/>
+              <a:t>ABS</a:t>
+            </a:r>
+          </a:p>
+          <a:p>
+            <a:r>
+              <a:rPr lang="en-US" dirty="0"/>
+              <a:t>Components in frame</a:t>
+            </a:r>
+          </a:p>
+          <a:p>
+            <a:r>
+              <a:rPr lang="en-US" dirty="0"/>
+              <a:t>Automated shifting</a:t>
+            </a:r>
+            <a:endParaRPr lang="en-GB" dirty="0"/>
+          </a:p>
+        </p:txBody>
+      </p:sp>
+      <p:pic>
+        <p:nvPicPr>
+          <p:cNvPr id="6" name="Content Placeholder 5"/>
+          <p:cNvPicPr>
+            <a:picLocks noGrp="1" noChangeAspect="1"/>
+          </p:cNvPicPr>
+          <p:nvPr>
+            <p:ph sz="half" idx="2"/>
+          </p:nvPr>
+        </p:nvPicPr>
+        <p:blipFill>
+          <a:blip r:embed="rId2">
+            <a:extLst>
+              <a:ext uri="{28A0092B-C50C-407E-A947-70E740481C1C}">
+                <a14:useLocalDpi xmlns:a14="http://schemas.microsoft.com/office/drawing/2010/main" val="0"/>
+              </a:ext>
+            </a:extLst>
+          </a:blip>
+          <a:stretch>
+            <a:fillRect/>
+          </a:stretch>
+        </p:blipFill>
+        <p:spPr>
+          <a:xfrm>
+            <a:off x="6172200" y="2273848"/>
+            <a:ext cx="5181600" cy="3454892"/>
+          </a:xfrm>
+        </p:spPr>
+      </p:pic>
     </p:spTree>
     <p:extLst>
       <p:ext uri="{BB962C8B-B14F-4D97-AF65-F5344CB8AC3E}">

--- a/companies/Bosch/presentation/Presentation.pptx
+++ b/companies/Bosch/presentation/Presentation.pptx
@@ -5,7 +5,7 @@
     <p:sldMasterId id="2147483648" r:id="rId1"/>
   </p:sldMasterIdLst>
   <p:notesMasterIdLst>
-    <p:notesMasterId r:id="rId10"/>
+    <p:notesMasterId r:id="rId11"/>
   </p:notesMasterIdLst>
   <p:sldIdLst>
     <p:sldId id="256" r:id="rId2"/>
@@ -15,7 +15,8 @@
     <p:sldId id="260" r:id="rId6"/>
     <p:sldId id="261" r:id="rId7"/>
     <p:sldId id="262" r:id="rId8"/>
-    <p:sldId id="263" r:id="rId9"/>
+    <p:sldId id="264" r:id="rId9"/>
+    <p:sldId id="263" r:id="rId10"/>
   </p:sldIdLst>
   <p:sldSz cx="12192000" cy="6858000"/>
   <p:notesSz cx="6858000" cy="9144000"/>
@@ -204,7 +205,7 @@
           <a:p>
             <a:fld id="{BFE6F66D-FDA9-431D-8FC6-071027240D66}" type="datetimeFigureOut">
               <a:rPr lang="en-GB" smtClean="0"/>
-              <a:t>22/11/2016</a:t>
+              <a:t>25/11/2016</a:t>
             </a:fld>
             <a:endParaRPr lang="en-GB"/>
           </a:p>
@@ -556,6 +557,90 @@
 </p:notes>
 </file>
 
+<file path=ppt/notesSlides/notesSlide2.xml><?xml version="1.0" encoding="utf-8"?>
+<p:notes xmlns:a="http://schemas.openxmlformats.org/drawingml/2006/main" xmlns:r="http://schemas.openxmlformats.org/officeDocument/2006/relationships" xmlns:p="http://schemas.openxmlformats.org/presentationml/2006/main">
+  <p:cSld>
+    <p:spTree>
+      <p:nvGrpSpPr>
+        <p:cNvPr id="1" name=""/>
+        <p:cNvGrpSpPr/>
+        <p:nvPr/>
+      </p:nvGrpSpPr>
+      <p:grpSpPr>
+        <a:xfrm>
+          <a:off x="0" y="0"/>
+          <a:ext cx="0" cy="0"/>
+          <a:chOff x="0" y="0"/>
+          <a:chExt cx="0" cy="0"/>
+        </a:xfrm>
+      </p:grpSpPr>
+      <p:sp>
+        <p:nvSpPr>
+          <p:cNvPr id="2" name="Slide Image Placeholder 1"/>
+          <p:cNvSpPr>
+            <a:spLocks noGrp="1" noRot="1" noChangeAspect="1"/>
+          </p:cNvSpPr>
+          <p:nvPr>
+            <p:ph type="sldImg"/>
+          </p:nvPr>
+        </p:nvSpPr>
+        <p:spPr/>
+      </p:sp>
+      <p:sp>
+        <p:nvSpPr>
+          <p:cNvPr id="3" name="Notes Placeholder 2"/>
+          <p:cNvSpPr>
+            <a:spLocks noGrp="1"/>
+          </p:cNvSpPr>
+          <p:nvPr>
+            <p:ph type="body" idx="1"/>
+          </p:nvPr>
+        </p:nvSpPr>
+        <p:spPr/>
+        <p:txBody>
+          <a:bodyPr/>
+          <a:lstStyle/>
+          <a:p>
+            <a:endParaRPr lang="en-GB" dirty="0"/>
+          </a:p>
+        </p:txBody>
+      </p:sp>
+      <p:sp>
+        <p:nvSpPr>
+          <p:cNvPr id="4" name="Slide Number Placeholder 3"/>
+          <p:cNvSpPr>
+            <a:spLocks noGrp="1"/>
+          </p:cNvSpPr>
+          <p:nvPr>
+            <p:ph type="sldNum" sz="quarter" idx="10"/>
+          </p:nvPr>
+        </p:nvSpPr>
+        <p:spPr/>
+        <p:txBody>
+          <a:bodyPr/>
+          <a:lstStyle/>
+          <a:p>
+            <a:fld id="{CF3F716E-B8BF-4B99-8587-2EAB2DC2E1C5}" type="slidenum">
+              <a:rPr lang="en-GB" smtClean="0"/>
+              <a:t>4</a:t>
+            </a:fld>
+            <a:endParaRPr lang="en-GB"/>
+          </a:p>
+        </p:txBody>
+      </p:sp>
+    </p:spTree>
+    <p:extLst>
+      <p:ext uri="{BB962C8B-B14F-4D97-AF65-F5344CB8AC3E}">
+        <p14:creationId xmlns:p14="http://schemas.microsoft.com/office/powerpoint/2010/main" val="2456199043"/>
+      </p:ext>
+    </p:extLst>
+  </p:cSld>
+  <p:clrMapOvr>
+    <a:masterClrMapping/>
+  </p:clrMapOvr>
+</p:notes>
+</file>
+
 <file path=ppt/slideLayouts/slideLayout1.xml><?xml version="1.0" encoding="utf-8"?>
 <p:sldLayout xmlns:a="http://schemas.openxmlformats.org/drawingml/2006/main" xmlns:r="http://schemas.openxmlformats.org/officeDocument/2006/relationships" xmlns:p="http://schemas.openxmlformats.org/presentationml/2006/main" type="title" preserve="1">
   <p:cSld name="Title Slide">
@@ -685,9 +770,9 @@
           <a:bodyPr/>
           <a:lstStyle/>
           <a:p>
-            <a:fld id="{9AC011D0-E7EE-420D-93AB-B1EF18D34070}" type="datetimeFigureOut">
+            <a:fld id="{E8493795-B318-4DC5-9F42-61FCDDFD394B}" type="datetime1">
               <a:rPr lang="en-GB" smtClean="0"/>
-              <a:t>22/11/2016</a:t>
+              <a:t>25/11/2016</a:t>
             </a:fld>
             <a:endParaRPr lang="en-GB"/>
           </a:p>
@@ -855,9 +940,9 @@
           <a:bodyPr/>
           <a:lstStyle/>
           <a:p>
-            <a:fld id="{9AC011D0-E7EE-420D-93AB-B1EF18D34070}" type="datetimeFigureOut">
+            <a:fld id="{BA130874-BF61-4F09-8C35-1685929C9297}" type="datetime1">
               <a:rPr lang="en-GB" smtClean="0"/>
-              <a:t>22/11/2016</a:t>
+              <a:t>25/11/2016</a:t>
             </a:fld>
             <a:endParaRPr lang="en-GB"/>
           </a:p>
@@ -1035,9 +1120,9 @@
           <a:bodyPr/>
           <a:lstStyle/>
           <a:p>
-            <a:fld id="{9AC011D0-E7EE-420D-93AB-B1EF18D34070}" type="datetimeFigureOut">
+            <a:fld id="{E32B30D0-5385-4E5F-8C68-6DC353AA0811}" type="datetime1">
               <a:rPr lang="en-GB" smtClean="0"/>
-              <a:t>22/11/2016</a:t>
+              <a:t>25/11/2016</a:t>
             </a:fld>
             <a:endParaRPr lang="en-GB"/>
           </a:p>
@@ -1205,9 +1290,9 @@
           <a:bodyPr/>
           <a:lstStyle/>
           <a:p>
-            <a:fld id="{9AC011D0-E7EE-420D-93AB-B1EF18D34070}" type="datetimeFigureOut">
+            <a:fld id="{5E5C5ED3-E9E3-4FA3-A334-08EA4CC3679E}" type="datetime1">
               <a:rPr lang="en-GB" smtClean="0"/>
-              <a:t>22/11/2016</a:t>
+              <a:t>25/11/2016</a:t>
             </a:fld>
             <a:endParaRPr lang="en-GB"/>
           </a:p>
@@ -1831,9 +1916,9 @@
           <a:bodyPr/>
           <a:lstStyle/>
           <a:p>
-            <a:fld id="{9AC011D0-E7EE-420D-93AB-B1EF18D34070}" type="datetimeFigureOut">
+            <a:fld id="{088EE818-CEA8-4C2E-B8C1-44C6D7A0AD5E}" type="datetime1">
               <a:rPr lang="en-GB" smtClean="0"/>
-              <a:t>22/11/2016</a:t>
+              <a:t>25/11/2016</a:t>
             </a:fld>
             <a:endParaRPr lang="en-GB"/>
           </a:p>
@@ -2063,9 +2148,9 @@
           <a:bodyPr/>
           <a:lstStyle/>
           <a:p>
-            <a:fld id="{9AC011D0-E7EE-420D-93AB-B1EF18D34070}" type="datetimeFigureOut">
+            <a:fld id="{5FF8885D-3C24-49C9-9E3F-431C80667E8E}" type="datetime1">
               <a:rPr lang="en-GB" smtClean="0"/>
-              <a:t>22/11/2016</a:t>
+              <a:t>25/11/2016</a:t>
             </a:fld>
             <a:endParaRPr lang="en-GB"/>
           </a:p>
@@ -2810,9 +2895,9 @@
           <a:bodyPr/>
           <a:lstStyle/>
           <a:p>
-            <a:fld id="{9AC011D0-E7EE-420D-93AB-B1EF18D34070}" type="datetimeFigureOut">
+            <a:fld id="{F2C2DC77-D38B-4076-8287-B2FDCA1B6B8D}" type="datetime1">
               <a:rPr lang="en-GB" smtClean="0"/>
-              <a:t>22/11/2016</a:t>
+              <a:t>25/11/2016</a:t>
             </a:fld>
             <a:endParaRPr lang="en-GB"/>
           </a:p>
@@ -2928,9 +3013,9 @@
           <a:bodyPr/>
           <a:lstStyle/>
           <a:p>
-            <a:fld id="{9AC011D0-E7EE-420D-93AB-B1EF18D34070}" type="datetimeFigureOut">
+            <a:fld id="{244F0353-BBFE-481F-8ADA-A869CE496A92}" type="datetime1">
               <a:rPr lang="en-GB" smtClean="0"/>
-              <a:t>22/11/2016</a:t>
+              <a:t>25/11/2016</a:t>
             </a:fld>
             <a:endParaRPr lang="en-GB"/>
           </a:p>
@@ -3023,9 +3108,9 @@
           <a:bodyPr/>
           <a:lstStyle/>
           <a:p>
-            <a:fld id="{9AC011D0-E7EE-420D-93AB-B1EF18D34070}" type="datetimeFigureOut">
+            <a:fld id="{BF9772A7-E07C-475B-8817-AB53E9347029}" type="datetime1">
               <a:rPr lang="en-GB" smtClean="0"/>
-              <a:t>22/11/2016</a:t>
+              <a:t>25/11/2016</a:t>
             </a:fld>
             <a:endParaRPr lang="en-GB"/>
           </a:p>
@@ -3300,9 +3385,9 @@
           <a:bodyPr/>
           <a:lstStyle/>
           <a:p>
-            <a:fld id="{9AC011D0-E7EE-420D-93AB-B1EF18D34070}" type="datetimeFigureOut">
+            <a:fld id="{44EE6544-730B-4339-96B1-9470981EEB1F}" type="datetime1">
               <a:rPr lang="en-GB" smtClean="0"/>
-              <a:t>22/11/2016</a:t>
+              <a:t>25/11/2016</a:t>
             </a:fld>
             <a:endParaRPr lang="en-GB"/>
           </a:p>
@@ -3553,9 +3638,9 @@
           <a:bodyPr/>
           <a:lstStyle/>
           <a:p>
-            <a:fld id="{9AC011D0-E7EE-420D-93AB-B1EF18D34070}" type="datetimeFigureOut">
+            <a:fld id="{8C5AC4FD-BD2E-44B4-A25E-84018D776390}" type="datetime1">
               <a:rPr lang="en-GB" smtClean="0"/>
-              <a:t>22/11/2016</a:t>
+              <a:t>25/11/2016</a:t>
             </a:fld>
             <a:endParaRPr lang="en-GB"/>
           </a:p>
@@ -3766,9 +3851,9 @@
             </a:lvl1pPr>
           </a:lstStyle>
           <a:p>
-            <a:fld id="{9AC011D0-E7EE-420D-93AB-B1EF18D34070}" type="datetimeFigureOut">
+            <a:fld id="{2A734F09-5A1A-4754-ADE5-F5FB5C2AD5CD}" type="datetime1">
               <a:rPr lang="en-GB" smtClean="0"/>
-              <a:t>22/11/2016</a:t>
+              <a:t>25/11/2016</a:t>
             </a:fld>
             <a:endParaRPr lang="en-GB"/>
           </a:p>
@@ -3873,6 +3958,7 @@
     <p:sldLayoutId id="2147483658" r:id="rId10"/>
     <p:sldLayoutId id="2147483659" r:id="rId11"/>
   </p:sldLayoutIdLst>
+  <p:hf sldNum="0" hdr="0" ftr="0" dt="0"/>
   <p:txStyles>
     <p:titleStyle>
       <a:lvl1pPr algn="l" defTabSz="914400" rtl="0" eaLnBrk="1" latinLnBrk="0" hangingPunct="1">
@@ -4461,14 +4547,25 @@
           <a:p>
             <a:r>
               <a:rPr lang="en-US" dirty="0"/>
+              <a:t>Justification</a:t>
+            </a:r>
+          </a:p>
+          <a:p>
+            <a:pPr lvl="1"/>
+            <a:r>
+              <a:rPr lang="en-US" dirty="0"/>
               <a:t>Previous experience as bicycle mechanic</a:t>
             </a:r>
           </a:p>
           <a:p>
+            <a:pPr lvl="1"/>
             <a:r>
               <a:rPr lang="en-US" dirty="0"/>
               <a:t>First hand exposure to products</a:t>
             </a:r>
+          </a:p>
+          <a:p>
+            <a:endParaRPr lang="en-US" dirty="0"/>
           </a:p>
           <a:p>
             <a:r>
@@ -4618,7 +4715,23 @@
               <a:rPr lang="en-US" dirty="0"/>
               <a:t>Green transportation</a:t>
             </a:r>
-            <a:endParaRPr lang="en-GB" dirty="0"/>
+          </a:p>
+          <a:p>
+            <a:r>
+              <a:rPr lang="en-US" dirty="0"/>
+              <a:t>Rapidly increasing market</a:t>
+            </a:r>
+          </a:p>
+          <a:p>
+            <a:r>
+              <a:rPr lang="en-US" dirty="0"/>
+              <a:t>~70 – 164km range</a:t>
+            </a:r>
+            <a:r>
+              <a:rPr lang="en-US" baseline="30000" dirty="0"/>
+              <a:t>1</a:t>
+            </a:r>
+            <a:endParaRPr lang="en-GB" baseline="30000" dirty="0"/>
           </a:p>
         </p:txBody>
       </p:sp>
@@ -4652,6 +4765,48 @@
           </a:prstGeom>
         </p:spPr>
       </p:pic>
+      <p:sp>
+        <p:nvSpPr>
+          <p:cNvPr id="6" name="TextBox 5"/>
+          <p:cNvSpPr txBox="1"/>
+          <p:nvPr/>
+        </p:nvSpPr>
+        <p:spPr>
+          <a:xfrm>
+            <a:off x="838200" y="6173400"/>
+            <a:ext cx="8652029" cy="276999"/>
+          </a:xfrm>
+          <a:prstGeom prst="rect">
+            <a:avLst/>
+          </a:prstGeom>
+          <a:noFill/>
+        </p:spPr>
+        <p:txBody>
+          <a:bodyPr wrap="square" rtlCol="0">
+            <a:spAutoFit/>
+          </a:bodyPr>
+          <a:lstStyle/>
+          <a:p>
+            <a:r>
+              <a:rPr lang="en-US" sz="1200" dirty="0">
+                <a:solidFill>
+                  <a:schemeClr val="bg1">
+                    <a:lumMod val="65000"/>
+                  </a:schemeClr>
+                </a:solidFill>
+              </a:rPr>
+              <a:t>1 Calculated using Range Assistant: https://www.bosch-ebike.com/en/service/range-cockpit/</a:t>
+            </a:r>
+            <a:endParaRPr lang="en-GB" sz="1200" dirty="0">
+              <a:solidFill>
+                <a:schemeClr val="bg1">
+                  <a:lumMod val="65000"/>
+                </a:schemeClr>
+              </a:solidFill>
+            </a:endParaRPr>
+          </a:p>
+        </p:txBody>
+      </p:sp>
     </p:spTree>
     <p:extLst>
       <p:ext uri="{BB962C8B-B14F-4D97-AF65-F5344CB8AC3E}">
@@ -4727,18 +4882,41 @@
             <p:ph sz="half" idx="1"/>
           </p:nvPr>
         </p:nvSpPr>
-        <p:spPr/>
+        <p:spPr>
+          <a:xfrm>
+            <a:off x="838200" y="1825625"/>
+            <a:ext cx="5535968" cy="4351338"/>
+          </a:xfrm>
+        </p:spPr>
         <p:txBody>
           <a:bodyPr/>
           <a:lstStyle/>
           <a:p>
             <a:r>
               <a:rPr lang="en-US" dirty="0"/>
-              <a:t>Slightly controversial</a:t>
-            </a:r>
-          </a:p>
-          <a:p>
+              <a:t>Smaller market share</a:t>
+            </a:r>
+            <a:r>
+              <a:rPr lang="en-GB" dirty="0"/>
+              <a:t> though increasing</a:t>
+            </a:r>
+          </a:p>
+          <a:p>
+            <a:r>
+              <a:rPr lang="en-US" dirty="0"/>
+              <a:t>Allows for longer rides</a:t>
+            </a:r>
             <a:endParaRPr lang="en-GB" dirty="0"/>
+          </a:p>
+          <a:p>
+            <a:r>
+              <a:rPr lang="en-US" dirty="0"/>
+              <a:t>~ 45 – 90km range</a:t>
+            </a:r>
+            <a:r>
+              <a:rPr lang="en-US" baseline="30000" dirty="0"/>
+              <a:t>1</a:t>
+            </a:r>
           </a:p>
         </p:txBody>
       </p:sp>
@@ -4753,7 +4931,7 @@
           </p:nvPr>
         </p:nvPicPr>
         <p:blipFill>
-          <a:blip r:embed="rId2">
+          <a:blip r:embed="rId3">
             <a:extLst>
               <a:ext uri="{28A0092B-C50C-407E-A947-70E740481C1C}">
                 <a14:useLocalDpi xmlns:a14="http://schemas.microsoft.com/office/drawing/2010/main" val="0"/>
@@ -4771,6 +4949,48 @@
           </a:xfrm>
         </p:spPr>
       </p:pic>
+      <p:sp>
+        <p:nvSpPr>
+          <p:cNvPr id="7" name="TextBox 6"/>
+          <p:cNvSpPr txBox="1"/>
+          <p:nvPr/>
+        </p:nvSpPr>
+        <p:spPr>
+          <a:xfrm>
+            <a:off x="838200" y="6173400"/>
+            <a:ext cx="8652029" cy="276999"/>
+          </a:xfrm>
+          <a:prstGeom prst="rect">
+            <a:avLst/>
+          </a:prstGeom>
+          <a:noFill/>
+        </p:spPr>
+        <p:txBody>
+          <a:bodyPr wrap="square" rtlCol="0">
+            <a:spAutoFit/>
+          </a:bodyPr>
+          <a:lstStyle/>
+          <a:p>
+            <a:r>
+              <a:rPr lang="en-US" sz="1200" dirty="0">
+                <a:solidFill>
+                  <a:schemeClr val="bg1">
+                    <a:lumMod val="65000"/>
+                  </a:schemeClr>
+                </a:solidFill>
+              </a:rPr>
+              <a:t>1 Calculated using Range Assistant: https://www.bosch-ebike.com/en/service/range-cockpit/</a:t>
+            </a:r>
+            <a:endParaRPr lang="en-GB" sz="1200" dirty="0">
+              <a:solidFill>
+                <a:schemeClr val="bg1">
+                  <a:lumMod val="65000"/>
+                </a:schemeClr>
+              </a:solidFill>
+            </a:endParaRPr>
+          </a:p>
+        </p:txBody>
+      </p:sp>
     </p:spTree>
     <p:extLst>
       <p:ext uri="{BB962C8B-B14F-4D97-AF65-F5344CB8AC3E}">
@@ -4853,13 +5073,23 @@
           <a:p>
             <a:r>
               <a:rPr lang="en-US" dirty="0"/>
-              <a:t>Extended life</a:t>
+              <a:t>Increased capacity</a:t>
             </a:r>
           </a:p>
           <a:p>
             <a:r>
               <a:rPr lang="en-US" dirty="0"/>
-              <a:t>Reduced weight</a:t>
+              <a:t>Alternative technologies </a:t>
+            </a:r>
+            <a:r>
+              <a:rPr lang="en-US" baseline="30000" dirty="0"/>
+              <a:t>1,2</a:t>
+            </a:r>
+          </a:p>
+          <a:p>
+            <a:r>
+              <a:rPr lang="en-US" dirty="0"/>
+              <a:t>Reduced capacity loss</a:t>
             </a:r>
           </a:p>
           <a:p>
@@ -4871,15 +5101,85 @@
           <a:p>
             <a:r>
               <a:rPr lang="en-US" dirty="0"/>
-              <a:t>Wireless charging</a:t>
+              <a:t>Reduced costs</a:t>
             </a:r>
           </a:p>
           <a:p>
             <a:r>
               <a:rPr lang="en-US" dirty="0"/>
-              <a:t>Reduced costs</a:t>
-            </a:r>
-            <a:endParaRPr lang="en-GB" dirty="0"/>
+              <a:t>Improved management </a:t>
+            </a:r>
+            <a:r>
+              <a:rPr lang="en-US" baseline="30000" dirty="0"/>
+              <a:t>3</a:t>
+            </a:r>
+            <a:endParaRPr lang="en-GB" baseline="30000" dirty="0"/>
+          </a:p>
+        </p:txBody>
+      </p:sp>
+      <p:sp>
+        <p:nvSpPr>
+          <p:cNvPr id="5" name="TextBox 4"/>
+          <p:cNvSpPr txBox="1"/>
+          <p:nvPr/>
+        </p:nvSpPr>
+        <p:spPr>
+          <a:xfrm>
+            <a:off x="838200" y="5853797"/>
+            <a:ext cx="8652029" cy="646331"/>
+          </a:xfrm>
+          <a:prstGeom prst="rect">
+            <a:avLst/>
+          </a:prstGeom>
+          <a:noFill/>
+        </p:spPr>
+        <p:txBody>
+          <a:bodyPr wrap="square" rtlCol="0">
+            <a:spAutoFit/>
+          </a:bodyPr>
+          <a:lstStyle/>
+          <a:p>
+            <a:r>
+              <a:rPr lang="en-US" sz="1200" dirty="0">
+                <a:solidFill>
+                  <a:schemeClr val="bg1">
+                    <a:lumMod val="65000"/>
+                  </a:schemeClr>
+                </a:solidFill>
+              </a:rPr>
+              <a:t>1 http://www.bosch.co.uk/en/uk/newsroom_2/news_2/news-detail-page_63360.php</a:t>
+            </a:r>
+          </a:p>
+          <a:p>
+            <a:r>
+              <a:rPr lang="en-US" sz="1200" dirty="0">
+                <a:solidFill>
+                  <a:schemeClr val="bg1">
+                    <a:lumMod val="65000"/>
+                  </a:schemeClr>
+                </a:solidFill>
+              </a:rPr>
+              <a:t>2 http://www.bosch-presse.de/pressportal/en/how-bosch-is-developing-the-battery-of-the-future-43046.html</a:t>
+            </a:r>
+          </a:p>
+          <a:p>
+            <a:r>
+              <a:rPr lang="en-US" sz="1200" dirty="0">
+                <a:solidFill>
+                  <a:schemeClr val="bg1">
+                    <a:lumMod val="65000"/>
+                  </a:schemeClr>
+                </a:solidFill>
+              </a:rPr>
+              <a:t>3 http://www.bosch-presse.de/pressportal/en/facts-about-battery-technology-for-hybrid-and-electric-powertrains-42846.html</a:t>
+            </a:r>
+            <a:endParaRPr lang="en-GB" sz="1200" dirty="0">
+              <a:solidFill>
+                <a:schemeClr val="bg1">
+                  <a:lumMod val="65000"/>
+                </a:schemeClr>
+              </a:solidFill>
+            </a:endParaRPr>
           </a:p>
         </p:txBody>
       </p:sp>
@@ -4981,6 +5281,18 @@
             </a:r>
           </a:p>
           <a:p>
+            <a:r>
+              <a:rPr lang="en-US" dirty="0"/>
+              <a:t>Smarter</a:t>
+            </a:r>
+          </a:p>
+          <a:p>
+            <a:r>
+              <a:rPr lang="en-US" dirty="0"/>
+              <a:t>Integrated Gears</a:t>
+            </a:r>
+          </a:p>
+          <a:p>
             <a:endParaRPr lang="en-GB" dirty="0"/>
           </a:p>
         </p:txBody>
@@ -5057,7 +5369,7 @@
             <a:spLocks noGrp="1"/>
           </p:cNvSpPr>
           <p:nvPr>
-            <p:ph sz="half" idx="1"/>
+            <p:ph idx="1"/>
           </p:nvPr>
         </p:nvSpPr>
         <p:spPr/>
@@ -5085,47 +5397,17 @@
           <a:p>
             <a:r>
               <a:rPr lang="en-US" dirty="0"/>
-              <a:t>Components in frame</a:t>
+              <a:t>Automated shifting</a:t>
             </a:r>
           </a:p>
           <a:p>
             <a:r>
               <a:rPr lang="en-US" dirty="0"/>
-              <a:t>Automated shifting</a:t>
-            </a:r>
-            <a:endParaRPr lang="en-GB" dirty="0"/>
-          </a:p>
-        </p:txBody>
-      </p:sp>
-      <p:pic>
-        <p:nvPicPr>
-          <p:cNvPr id="6" name="Content Placeholder 5"/>
-          <p:cNvPicPr>
-            <a:picLocks noGrp="1" noChangeAspect="1"/>
-          </p:cNvPicPr>
-          <p:nvPr>
-            <p:ph sz="half" idx="2"/>
-          </p:nvPr>
-        </p:nvPicPr>
-        <p:blipFill>
-          <a:blip r:embed="rId2">
-            <a:extLst>
-              <a:ext uri="{28A0092B-C50C-407E-A947-70E740481C1C}">
-                <a14:useLocalDpi xmlns:a14="http://schemas.microsoft.com/office/drawing/2010/main" val="0"/>
-              </a:ext>
-            </a:extLst>
-          </a:blip>
-          <a:stretch>
-            <a:fillRect/>
-          </a:stretch>
-        </p:blipFill>
-        <p:spPr>
-          <a:xfrm>
-            <a:off x="6172200" y="2273848"/>
-            <a:ext cx="5181600" cy="3454892"/>
-          </a:xfrm>
-        </p:spPr>
-      </p:pic>
+              <a:t>Infrastructure</a:t>
+            </a:r>
+          </a:p>
+        </p:txBody>
+      </p:sp>
     </p:spTree>
     <p:extLst>
       <p:ext uri="{BB962C8B-B14F-4D97-AF65-F5344CB8AC3E}">
@@ -5158,6 +5440,131 @@
       </p:grpSpPr>
       <p:sp>
         <p:nvSpPr>
+          <p:cNvPr id="5" name="Title 4"/>
+          <p:cNvSpPr>
+            <a:spLocks noGrp="1"/>
+          </p:cNvSpPr>
+          <p:nvPr>
+            <p:ph type="title"/>
+          </p:nvPr>
+        </p:nvSpPr>
+        <p:spPr/>
+        <p:txBody>
+          <a:bodyPr/>
+          <a:lstStyle/>
+          <a:p>
+            <a:r>
+              <a:rPr lang="en-US" dirty="0"/>
+              <a:t>E-Bike 2030</a:t>
+            </a:r>
+            <a:endParaRPr lang="en-GB" dirty="0"/>
+          </a:p>
+        </p:txBody>
+      </p:sp>
+      <p:pic>
+        <p:nvPicPr>
+          <p:cNvPr id="8" name="Content Placeholder 5"/>
+          <p:cNvPicPr>
+            <a:picLocks noGrp="1" noChangeAspect="1"/>
+          </p:cNvPicPr>
+          <p:nvPr>
+            <p:ph sz="half" idx="2"/>
+          </p:nvPr>
+        </p:nvPicPr>
+        <p:blipFill>
+          <a:blip r:embed="rId2">
+            <a:extLst>
+              <a:ext uri="{28A0092B-C50C-407E-A947-70E740481C1C}">
+                <a14:useLocalDpi xmlns:a14="http://schemas.microsoft.com/office/drawing/2010/main" val="0"/>
+              </a:ext>
+            </a:extLst>
+          </a:blip>
+          <a:stretch>
+            <a:fillRect/>
+          </a:stretch>
+        </p:blipFill>
+        <p:spPr>
+          <a:xfrm>
+            <a:off x="6172200" y="2273848"/>
+            <a:ext cx="5181600" cy="3454892"/>
+          </a:xfrm>
+        </p:spPr>
+      </p:pic>
+      <p:pic>
+        <p:nvPicPr>
+          <p:cNvPr id="1028" name="Picture 4" descr="http://www.thecarbonfiberjournal.com/wp-content/uploads/2011/08/blacktrail1.png"/>
+          <p:cNvPicPr>
+            <a:picLocks noGrp="1" noChangeAspect="1" noChangeArrowheads="1"/>
+          </p:cNvPicPr>
+          <p:nvPr>
+            <p:ph sz="half" idx="1"/>
+          </p:nvPr>
+        </p:nvPicPr>
+        <p:blipFill>
+          <a:blip r:embed="rId3">
+            <a:extLst>
+              <a:ext uri="{28A0092B-C50C-407E-A947-70E740481C1C}">
+                <a14:useLocalDpi xmlns:a14="http://schemas.microsoft.com/office/drawing/2010/main" val="0"/>
+              </a:ext>
+            </a:extLst>
+          </a:blip>
+          <a:srcRect/>
+          <a:stretch>
+            <a:fillRect/>
+          </a:stretch>
+        </p:blipFill>
+        <p:spPr bwMode="auto">
+          <a:xfrm>
+            <a:off x="838200" y="2677733"/>
+            <a:ext cx="5181600" cy="2647121"/>
+          </a:xfrm>
+          <a:prstGeom prst="rect">
+            <a:avLst/>
+          </a:prstGeom>
+          <a:noFill/>
+          <a:extLst>
+            <a:ext uri="{909E8E84-426E-40DD-AFC4-6F175D3DCCD1}">
+              <a14:hiddenFill xmlns:a14="http://schemas.microsoft.com/office/drawing/2010/main">
+                <a:solidFill>
+                  <a:srgbClr val="FFFFFF"/>
+                </a:solidFill>
+              </a14:hiddenFill>
+            </a:ext>
+          </a:extLst>
+        </p:spPr>
+      </p:pic>
+    </p:spTree>
+    <p:extLst>
+      <p:ext uri="{BB962C8B-B14F-4D97-AF65-F5344CB8AC3E}">
+        <p14:creationId xmlns:p14="http://schemas.microsoft.com/office/powerpoint/2010/main" val="1770600529"/>
+      </p:ext>
+    </p:extLst>
+  </p:cSld>
+  <p:clrMapOvr>
+    <a:masterClrMapping/>
+  </p:clrMapOvr>
+</p:sld>
+</file>
+
+<file path=ppt/slides/slide9.xml><?xml version="1.0" encoding="utf-8"?>
+<p:sld xmlns:a="http://schemas.openxmlformats.org/drawingml/2006/main" xmlns:r="http://schemas.openxmlformats.org/officeDocument/2006/relationships" xmlns:p="http://schemas.openxmlformats.org/presentationml/2006/main">
+  <p:cSld>
+    <p:spTree>
+      <p:nvGrpSpPr>
+        <p:cNvPr id="1" name=""/>
+        <p:cNvGrpSpPr/>
+        <p:nvPr/>
+      </p:nvGrpSpPr>
+      <p:grpSpPr>
+        <a:xfrm>
+          <a:off x="0" y="0"/>
+          <a:ext cx="0" cy="0"/>
+          <a:chOff x="0" y="0"/>
+          <a:chExt cx="0" cy="0"/>
+        </a:xfrm>
+      </p:grpSpPr>
+      <p:sp>
+        <p:nvSpPr>
           <p:cNvPr id="2" name="Title 1"/>
           <p:cNvSpPr>
             <a:spLocks noGrp="1"/>
@@ -5194,7 +5601,31 @@
           <a:bodyPr/>
           <a:lstStyle/>
           <a:p>
-            <a:endParaRPr lang="en-GB"/>
+            <a:r>
+              <a:rPr lang="en-US" dirty="0"/>
+              <a:t>Rapidly growing market</a:t>
+            </a:r>
+          </a:p>
+          <a:p>
+            <a:r>
+              <a:rPr lang="en-US" dirty="0"/>
+              <a:t>Here to stay</a:t>
+            </a:r>
+          </a:p>
+          <a:p>
+            <a:r>
+              <a:rPr lang="en-US" dirty="0"/>
+              <a:t>Cheaper</a:t>
+            </a:r>
+          </a:p>
+          <a:p>
+            <a:r>
+              <a:rPr lang="en-US" dirty="0"/>
+              <a:t>More power</a:t>
+            </a:r>
+          </a:p>
+          <a:p>
+            <a:endParaRPr lang="en-US" dirty="0"/>
           </a:p>
         </p:txBody>
       </p:sp>
